--- a/CalendarioAgo2023/presentaciones/9_Graficas_Matplotlib.pptx
+++ b/CalendarioAgo2023/presentaciones/9_Graficas_Matplotlib.pptx
@@ -1686,7 +1686,7 @@
           <a:p>
             <a:fld id="{1D8BD707-D9CF-40AE-B4C6-C98DA3205C09}" type="datetimeFigureOut">
               <a:rPr lang="en-US"/>
-              <a:t>10/16/2022</a:t>
+              <a:t>10/4/2023</a:t>
             </a:fld>
             <a:endParaRPr lang="en-US"/>
           </a:p>
@@ -2238,7 +2238,7 @@
           <a:p>
             <a:fld id="{1D8BD707-D9CF-40AE-B4C6-C98DA3205C09}" type="datetimeFigureOut">
               <a:rPr lang="en-US"/>
-              <a:t>10/16/2022</a:t>
+              <a:t>10/4/2023</a:t>
             </a:fld>
             <a:endParaRPr lang="en-US"/>
           </a:p>
@@ -2856,7 +2856,7 @@
           <a:p>
             <a:fld id="{1D8BD707-D9CF-40AE-B4C6-C98DA3205C09}" type="datetimeFigureOut">
               <a:rPr lang="en-US"/>
-              <a:t>10/16/2022</a:t>
+              <a:t>10/4/2023</a:t>
             </a:fld>
             <a:endParaRPr lang="en-US"/>
           </a:p>
@@ -3408,7 +3408,7 @@
           <a:p>
             <a:fld id="{1D8BD707-D9CF-40AE-B4C6-C98DA3205C09}" type="datetimeFigureOut">
               <a:rPr lang="en-US"/>
-              <a:t>10/16/2022</a:t>
+              <a:t>10/4/2023</a:t>
             </a:fld>
             <a:endParaRPr lang="en-US"/>
           </a:p>
@@ -3527,7 +3527,7 @@
           <a:p>
             <a:fld id="{1D8BD707-D9CF-40AE-B4C6-C98DA3205C09}" type="datetimeFigureOut">
               <a:rPr lang="en-US"/>
-              <a:t>10/16/2022</a:t>
+              <a:t>10/4/2023</a:t>
             </a:fld>
             <a:endParaRPr lang="en-US"/>
           </a:p>
@@ -3781,7 +3781,7 @@
           <a:p>
             <a:fld id="{1D8BD707-D9CF-40AE-B4C6-C98DA3205C09}" type="datetimeFigureOut">
               <a:rPr lang="en-US"/>
-              <a:t>10/16/2022</a:t>
+              <a:t>10/4/2023</a:t>
             </a:fld>
             <a:endParaRPr lang="en-US"/>
           </a:p>
@@ -10207,8 +10207,8 @@
         </p:nvSpPr>
         <p:spPr>
           <a:xfrm>
-            <a:off x="1942338" y="1524000"/>
-            <a:ext cx="9487662" cy="3016210"/>
+            <a:off x="1600200" y="1106027"/>
+            <a:ext cx="10287000" cy="3255507"/>
           </a:xfrm>
           <a:prstGeom prst="rect">
             <a:avLst/>
@@ -10222,7 +10222,7 @@
           <a:p>
             <a:pPr marL="12700" marR="409575">
               <a:lnSpc>
-                <a:spcPct val="100000"/>
+                <a:spcPct val="150000"/>
               </a:lnSpc>
             </a:pPr>
             <a:r>
@@ -10471,130 +10471,11 @@
               <a:t> </a:t>
             </a:r>
             <a:r>
-              <a:rPr sz="2400" spc="-80" dirty="0">
-                <a:latin typeface="Arial"/>
-                <a:cs typeface="Arial"/>
-              </a:rPr>
-              <a:t>E</a:t>
-            </a:r>
-            <a:r>
-              <a:rPr sz="2400" spc="-75" dirty="0">
-                <a:latin typeface="Arial"/>
-                <a:cs typeface="Arial"/>
-              </a:rPr>
-              <a:t>ne</a:t>
-            </a:r>
-            <a:r>
-              <a:rPr sz="2400" spc="-70" dirty="0">
-                <a:latin typeface="Arial"/>
-                <a:cs typeface="Arial"/>
-              </a:rPr>
-              <a:t>r</a:t>
-            </a:r>
-            <a:r>
-              <a:rPr sz="2400" dirty="0">
-                <a:latin typeface="Arial"/>
-                <a:cs typeface="Arial"/>
-              </a:rPr>
-              <a:t>o</a:t>
-            </a:r>
-            <a:r>
-              <a:rPr sz="2400" spc="-155" dirty="0">
-                <a:latin typeface="Arial"/>
-                <a:cs typeface="Arial"/>
-              </a:rPr>
-              <a:t> </a:t>
-            </a:r>
-            <a:r>
-              <a:rPr sz="2400" dirty="0">
-                <a:latin typeface="Arial"/>
-                <a:cs typeface="Arial"/>
-              </a:rPr>
-              <a:t>a</a:t>
-            </a:r>
-            <a:r>
-              <a:rPr sz="2400" spc="-360" dirty="0">
-                <a:latin typeface="Arial"/>
-                <a:cs typeface="Arial"/>
-              </a:rPr>
-              <a:t> </a:t>
-            </a:r>
-            <a:r>
-              <a:rPr lang="es-ES" sz="2400" spc="-360" dirty="0">
-                <a:latin typeface="Arial"/>
-                <a:cs typeface="Arial"/>
-              </a:rPr>
-              <a:t> </a:t>
-            </a:r>
-            <a:r>
-              <a:rPr sz="2400" dirty="0">
-                <a:latin typeface="Arial"/>
-                <a:cs typeface="Arial"/>
-              </a:rPr>
-              <a:t>A</a:t>
-            </a:r>
-            <a:r>
-              <a:rPr sz="2400" spc="5" dirty="0">
-                <a:latin typeface="Arial"/>
-                <a:cs typeface="Arial"/>
-              </a:rPr>
-              <a:t>gos</a:t>
-            </a:r>
-            <a:r>
-              <a:rPr sz="2400" spc="10" dirty="0">
-                <a:latin typeface="Arial"/>
-                <a:cs typeface="Arial"/>
-              </a:rPr>
-              <a:t>t</a:t>
-            </a:r>
-            <a:r>
-              <a:rPr sz="2400" dirty="0">
-                <a:latin typeface="Arial"/>
-                <a:cs typeface="Arial"/>
-              </a:rPr>
-              <a:t>o</a:t>
-            </a:r>
-            <a:r>
-              <a:rPr sz="2400" spc="30" dirty="0">
-                <a:latin typeface="Arial"/>
-                <a:cs typeface="Arial"/>
-              </a:rPr>
-              <a:t> </a:t>
-            </a:r>
-            <a:r>
-              <a:rPr sz="2400" spc="5" dirty="0">
-                <a:latin typeface="Arial"/>
-                <a:cs typeface="Arial"/>
-              </a:rPr>
-              <a:t>de</a:t>
-            </a:r>
-            <a:r>
-              <a:rPr sz="2400" dirty="0">
-                <a:latin typeface="Arial"/>
-                <a:cs typeface="Arial"/>
-              </a:rPr>
-              <a:t>l</a:t>
-            </a:r>
-            <a:r>
-              <a:rPr sz="2400" spc="190" dirty="0">
-                <a:latin typeface="Arial"/>
-                <a:cs typeface="Arial"/>
-              </a:rPr>
-              <a:t> </a:t>
-            </a:r>
-            <a:r>
-              <a:rPr sz="2400" spc="-75" dirty="0">
-                <a:latin typeface="Arial"/>
-                <a:cs typeface="Arial"/>
-              </a:rPr>
-              <a:t>202</a:t>
-            </a:r>
-            <a:r>
-              <a:rPr lang="es-ES" sz="2400" spc="-75" dirty="0">
-                <a:latin typeface="Arial"/>
-                <a:cs typeface="Arial"/>
-              </a:rPr>
-              <a:t>2</a:t>
+              <a:rPr lang="es-ES" sz="2400" spc="-10" dirty="0">
+                <a:latin typeface="Arial"/>
+                <a:cs typeface="Arial"/>
+              </a:rPr>
+              <a:t>Enero a Septiembre de 2023</a:t>
             </a:r>
             <a:r>
               <a:rPr sz="2400" spc="-75" dirty="0">
@@ -10609,23 +10490,9 @@
             </a:endParaRPr>
           </a:p>
           <a:p>
-            <a:pPr>
-              <a:lnSpc>
-                <a:spcPct val="100000"/>
-              </a:lnSpc>
-              <a:spcBef>
-                <a:spcPts val="10"/>
-              </a:spcBef>
-            </a:pPr>
-            <a:endParaRPr sz="2600" dirty="0">
-              <a:latin typeface="Times New Roman"/>
-              <a:cs typeface="Times New Roman"/>
-            </a:endParaRPr>
-          </a:p>
-          <a:p>
             <a:pPr marL="812800" marR="16510" indent="-342900" algn="just">
               <a:lnSpc>
-                <a:spcPct val="100000"/>
+                <a:spcPct val="150000"/>
               </a:lnSpc>
               <a:buFont typeface="Arial"/>
               <a:buChar char="•"/>
@@ -10634,32 +10501,39 @@
               </a:tabLst>
             </a:pPr>
             <a:r>
-              <a:rPr sz="2400" spc="-114" dirty="0">
+              <a:rPr sz="2400" spc="-114" dirty="0" err="1">
                 <a:latin typeface="Arial"/>
                 <a:cs typeface="Arial"/>
               </a:rPr>
               <a:t>C</a:t>
             </a:r>
             <a:r>
-              <a:rPr sz="2400" spc="-105" dirty="0">
+              <a:rPr sz="2400" spc="-105" dirty="0" err="1">
                 <a:latin typeface="Arial"/>
                 <a:cs typeface="Arial"/>
               </a:rPr>
               <a:t>r</a:t>
             </a:r>
             <a:r>
-              <a:rPr sz="2400" spc="-114" dirty="0">
+              <a:rPr sz="2400" spc="-114" dirty="0" err="1">
                 <a:latin typeface="Arial"/>
                 <a:cs typeface="Arial"/>
               </a:rPr>
               <a:t>e</a:t>
             </a:r>
             <a:r>
+              <a:rPr sz="2400" dirty="0" err="1">
+                <a:latin typeface="Arial"/>
+                <a:cs typeface="Arial"/>
+              </a:rPr>
+              <a:t>a</a:t>
+            </a:r>
+            <a:r>
               <a:rPr sz="2400" dirty="0">
                 <a:latin typeface="Arial"/>
                 <a:cs typeface="Arial"/>
               </a:rPr>
-              <a:t>a </a:t>
+              <a:t> </a:t>
             </a:r>
             <a:r>
               <a:rPr sz="2400" spc="-320" dirty="0">
@@ -11046,27 +10920,11 @@
               </a:rPr>
               <a:t>.</a:t>
             </a:r>
-          </a:p>
-          <a:p>
-            <a:pPr>
-              <a:lnSpc>
-                <a:spcPct val="100000"/>
-              </a:lnSpc>
-              <a:spcBef>
-                <a:spcPts val="10"/>
-              </a:spcBef>
-              <a:buFont typeface="Arial"/>
-              <a:buChar char="•"/>
-            </a:pPr>
-            <a:endParaRPr sz="2600" dirty="0">
-              <a:latin typeface="Times New Roman"/>
-              <a:cs typeface="Times New Roman"/>
-            </a:endParaRPr>
           </a:p>
           <a:p>
             <a:pPr marL="812800" marR="5080" indent="-342900" algn="just">
               <a:lnSpc>
-                <a:spcPct val="100000"/>
+                <a:spcPct val="150000"/>
               </a:lnSpc>
               <a:buFont typeface="Arial"/>
               <a:buChar char="•"/>
@@ -11075,32 +10933,39 @@
               </a:tabLst>
             </a:pPr>
             <a:r>
-              <a:rPr sz="2400" spc="-114" dirty="0">
+              <a:rPr sz="2400" spc="-114" dirty="0" err="1">
                 <a:latin typeface="Arial"/>
                 <a:cs typeface="Arial"/>
               </a:rPr>
               <a:t>C</a:t>
             </a:r>
             <a:r>
-              <a:rPr sz="2400" spc="-105" dirty="0">
+              <a:rPr sz="2400" spc="-105" dirty="0" err="1">
                 <a:latin typeface="Arial"/>
                 <a:cs typeface="Arial"/>
               </a:rPr>
               <a:t>r</a:t>
             </a:r>
             <a:r>
-              <a:rPr sz="2400" spc="-114" dirty="0">
+              <a:rPr sz="2400" spc="-114" dirty="0" err="1">
                 <a:latin typeface="Arial"/>
                 <a:cs typeface="Arial"/>
               </a:rPr>
               <a:t>e</a:t>
             </a:r>
             <a:r>
+              <a:rPr sz="2400" dirty="0" err="1">
+                <a:latin typeface="Arial"/>
+                <a:cs typeface="Arial"/>
+              </a:rPr>
+              <a:t>a</a:t>
+            </a:r>
+            <a:r>
               <a:rPr sz="2400" dirty="0">
                 <a:latin typeface="Arial"/>
                 <a:cs typeface="Arial"/>
               </a:rPr>
-              <a:t>a   </a:t>
+              <a:t>   </a:t>
             </a:r>
             <a:r>
               <a:rPr sz="2400" spc="100" dirty="0">
@@ -11602,8 +11467,8 @@
         </p:nvSpPr>
         <p:spPr>
           <a:xfrm>
-            <a:off x="2667000" y="4905062"/>
-            <a:ext cx="8610600" cy="923330"/>
+            <a:off x="1968626" y="4520640"/>
+            <a:ext cx="10223374" cy="923330"/>
           </a:xfrm>
           <a:prstGeom prst="rect">
             <a:avLst/>
@@ -11618,8 +11483,13 @@
           <a:p>
             <a:r>
               <a:rPr lang="es-MX" dirty="0"/>
-              <a:t>meses = ["Enero", "Febrero", "Marzo", "Abril", "Mayo", "Junio", "Julio", "Agosto"]</a:t>
-            </a:r>
+              <a:t>meses = ["Enero", "Febrero", "Marzo", "Abril", "Mayo", "Junio", "Julio", "Agosto", </a:t>
+            </a:r>
+            <a:r>
+              <a:rPr lang="es-MX"/>
+              <a:t>"Septiembre"]</a:t>
+            </a:r>
+            <a:endParaRPr lang="es-MX" dirty="0"/>
           </a:p>
           <a:p>
             <a:r>
@@ -11628,13 +11498,13 @@
             </a:r>
             <a:r>
               <a:rPr lang="es-MX" dirty="0"/>
-              <a:t> = [20.46, 20.64, 20.43, 19.91, 20.37, 19.69, 20.13, 20.35]</a:t>
+              <a:t> = [19.36, 18.89, 18.01, 18.11, 17.91, 17.51, 17.05, 17.29, 17.18]</a:t>
             </a:r>
           </a:p>
           <a:p>
             <a:r>
               <a:rPr lang="es-MX" dirty="0"/>
-              <a:t>euro = [23.33, 23.18, 22.98, 21.99, 21.56, 21.10, 21.08, 20.83]</a:t>
+              <a:t>euro =  [20.53, 20.65, 19.12, 19.68, 19.76, 18.85, 18.60, 18.90, 18.52]</a:t>
             </a:r>
           </a:p>
         </p:txBody>
@@ -16365,7 +16235,7 @@
         <p:spPr>
           <a:xfrm>
             <a:off x="1562861" y="2080049"/>
-            <a:ext cx="7942580" cy="2391410"/>
+            <a:ext cx="7942580" cy="2508379"/>
           </a:xfrm>
           <a:prstGeom prst="rect">
             <a:avLst/>
@@ -16466,7 +16336,7 @@
               </a:rPr>
               <a:t>ser:</a:t>
             </a:r>
-            <a:endParaRPr sz="3200">
+            <a:endParaRPr sz="3200" dirty="0">
               <a:latin typeface="Corbel"/>
               <a:cs typeface="Corbel"/>
             </a:endParaRPr>
@@ -16592,10 +16462,6 @@
               </a:rPr>
               <a:t>]</a:t>
             </a:r>
-            <a:endParaRPr sz="3200">
-              <a:latin typeface="Corbel"/>
-              <a:cs typeface="Corbel"/>
-            </a:endParaRPr>
           </a:p>
           <a:p>
             <a:pPr marL="12700">
@@ -16635,7 +16501,21 @@
                 <a:latin typeface="Corbel"/>
                 <a:cs typeface="Corbel"/>
               </a:rPr>
-              <a:t>meros	[ </a:t>
+              <a:t>meros	</a:t>
+            </a:r>
+            <a:r>
+              <a:rPr lang="es-ES" sz="3200" b="1" i="1" dirty="0">
+                <a:latin typeface="Corbel"/>
+                <a:cs typeface="Corbel"/>
+              </a:rPr>
+              <a:t>= </a:t>
+            </a:r>
+            <a:r>
+              <a:rPr sz="3200" b="1" i="1" dirty="0">
+                <a:latin typeface="Corbel"/>
+                <a:cs typeface="Corbel"/>
+              </a:rPr>
+              <a:t>[ </a:t>
             </a:r>
             <a:r>
               <a:rPr sz="3200" b="1" i="1" spc="5" dirty="0">
@@ -16679,7 +16559,7 @@
               </a:rPr>
               <a:t>, 30]</a:t>
             </a:r>
-            <a:endParaRPr sz="3200">
+            <a:endParaRPr sz="3200" dirty="0">
               <a:latin typeface="Corbel"/>
               <a:cs typeface="Corbel"/>
             </a:endParaRPr>
@@ -16847,7 +16727,7 @@
               </a:rPr>
               <a:t>”]</a:t>
             </a:r>
-            <a:endParaRPr sz="3200">
+            <a:endParaRPr sz="3200" dirty="0">
               <a:latin typeface="Corbel"/>
               <a:cs typeface="Corbel"/>
             </a:endParaRPr>

--- a/CalendarioAgo2023/presentaciones/9_Graficas_Matplotlib.pptx
+++ b/CalendarioAgo2023/presentaciones/9_Graficas_Matplotlib.pptx
@@ -14,14 +14,14 @@
     <p:sldId id="259" r:id="rId5"/>
     <p:sldId id="260" r:id="rId6"/>
     <p:sldId id="261" r:id="rId7"/>
-    <p:sldId id="262" r:id="rId8"/>
-    <p:sldId id="263" r:id="rId9"/>
-    <p:sldId id="264" r:id="rId10"/>
-    <p:sldId id="270" r:id="rId11"/>
-    <p:sldId id="265" r:id="rId12"/>
-    <p:sldId id="266" r:id="rId13"/>
-    <p:sldId id="267" r:id="rId14"/>
-    <p:sldId id="268" r:id="rId15"/>
+    <p:sldId id="268" r:id="rId8"/>
+    <p:sldId id="262" r:id="rId9"/>
+    <p:sldId id="263" r:id="rId10"/>
+    <p:sldId id="264" r:id="rId11"/>
+    <p:sldId id="270" r:id="rId12"/>
+    <p:sldId id="265" r:id="rId13"/>
+    <p:sldId id="266" r:id="rId14"/>
+    <p:sldId id="267" r:id="rId15"/>
     <p:sldId id="271" r:id="rId16"/>
     <p:sldId id="272" r:id="rId17"/>
     <p:sldId id="273" r:id="rId18"/>
@@ -299,7 +299,7 @@
         <p:spPr/>
         <p:txBody>
           <a:bodyPr>
-            <a:normAutofit/>
+            <a:normAutofit fontScale="25000" lnSpcReduction="20000"/>
           </a:bodyPr>
           <a:lstStyle/>
           <a:p>
@@ -345,7 +345,7 @@
         <p:spPr/>
         <p:txBody>
           <a:bodyPr>
-            <a:normAutofit/>
+            <a:normAutofit fontScale="25000" lnSpcReduction="20000"/>
           </a:bodyPr>
           <a:lstStyle/>
           <a:p>
@@ -391,7 +391,7 @@
         <p:spPr/>
         <p:txBody>
           <a:bodyPr>
-            <a:normAutofit/>
+            <a:normAutofit fontScale="25000" lnSpcReduction="20000"/>
           </a:bodyPr>
           <a:lstStyle/>
           <a:p>
@@ -437,7 +437,7 @@
         <p:spPr/>
         <p:txBody>
           <a:bodyPr>
-            <a:normAutofit/>
+            <a:normAutofit fontScale="25000" lnSpcReduction="20000"/>
           </a:bodyPr>
           <a:lstStyle/>
           <a:p>
@@ -483,7 +483,7 @@
         <p:spPr/>
         <p:txBody>
           <a:bodyPr>
-            <a:normAutofit/>
+            <a:normAutofit fontScale="25000" lnSpcReduction="20000"/>
           </a:bodyPr>
           <a:lstStyle/>
           <a:p>
@@ -529,7 +529,7 @@
         <p:spPr/>
         <p:txBody>
           <a:bodyPr>
-            <a:normAutofit/>
+            <a:normAutofit fontScale="25000" lnSpcReduction="20000"/>
           </a:bodyPr>
           <a:lstStyle/>
           <a:p>
@@ -575,7 +575,7 @@
         <p:spPr/>
         <p:txBody>
           <a:bodyPr>
-            <a:normAutofit/>
+            <a:normAutofit fontScale="25000" lnSpcReduction="20000"/>
           </a:bodyPr>
           <a:lstStyle/>
           <a:p>
@@ -621,7 +621,7 @@
         <p:spPr/>
         <p:txBody>
           <a:bodyPr>
-            <a:normAutofit/>
+            <a:normAutofit fontScale="25000" lnSpcReduction="20000"/>
           </a:bodyPr>
           <a:lstStyle/>
           <a:p>
@@ -667,7 +667,7 @@
         <p:spPr/>
         <p:txBody>
           <a:bodyPr>
-            <a:normAutofit/>
+            <a:normAutofit fontScale="25000" lnSpcReduction="20000"/>
           </a:bodyPr>
           <a:lstStyle/>
           <a:p>
@@ -713,7 +713,7 @@
         <p:spPr/>
         <p:txBody>
           <a:bodyPr>
-            <a:normAutofit/>
+            <a:normAutofit fontScale="25000" lnSpcReduction="20000"/>
           </a:bodyPr>
           <a:lstStyle/>
           <a:p>
@@ -759,7 +759,7 @@
         <p:spPr/>
         <p:txBody>
           <a:bodyPr>
-            <a:normAutofit/>
+            <a:normAutofit fontScale="25000" lnSpcReduction="20000"/>
           </a:bodyPr>
           <a:lstStyle/>
           <a:p>
@@ -805,7 +805,7 @@
         <p:spPr/>
         <p:txBody>
           <a:bodyPr>
-            <a:normAutofit/>
+            <a:normAutofit fontScale="25000" lnSpcReduction="20000"/>
           </a:bodyPr>
           <a:lstStyle/>
           <a:p>
@@ -851,7 +851,7 @@
         <p:spPr/>
         <p:txBody>
           <a:bodyPr>
-            <a:normAutofit/>
+            <a:normAutofit fontScale="25000" lnSpcReduction="20000"/>
           </a:bodyPr>
           <a:lstStyle/>
           <a:p>
@@ -897,7 +897,7 @@
         <p:spPr/>
         <p:txBody>
           <a:bodyPr>
-            <a:normAutofit/>
+            <a:normAutofit fontScale="25000" lnSpcReduction="20000"/>
           </a:bodyPr>
           <a:lstStyle/>
           <a:p>
@@ -943,7 +943,7 @@
         <p:spPr/>
         <p:txBody>
           <a:bodyPr>
-            <a:normAutofit/>
+            <a:normAutofit fontScale="25000" lnSpcReduction="20000"/>
           </a:bodyPr>
           <a:lstStyle/>
           <a:p>
@@ -989,7 +989,7 @@
         <p:spPr/>
         <p:txBody>
           <a:bodyPr>
-            <a:normAutofit/>
+            <a:normAutofit fontScale="25000" lnSpcReduction="20000"/>
           </a:bodyPr>
           <a:lstStyle/>
           <a:p>
@@ -1035,7 +1035,7 @@
         <p:spPr/>
         <p:txBody>
           <a:bodyPr>
-            <a:normAutofit/>
+            <a:normAutofit fontScale="25000" lnSpcReduction="20000"/>
           </a:bodyPr>
           <a:lstStyle/>
           <a:p>
@@ -1044,6 +1044,11 @@
         </p:txBody>
       </p:sp>
     </p:spTree>
+    <p:extLst>
+      <p:ext uri="{BB962C8B-B14F-4D97-AF65-F5344CB8AC3E}">
+        <p14:creationId xmlns:p14="http://schemas.microsoft.com/office/powerpoint/2010/main" val="342314049"/>
+      </p:ext>
+    </p:extLst>
   </p:cSld>
   <p:clrMapOvr>
     <a:masterClrMapping/>
@@ -1081,7 +1086,7 @@
         <p:spPr/>
         <p:txBody>
           <a:bodyPr>
-            <a:normAutofit/>
+            <a:normAutofit fontScale="25000" lnSpcReduction="20000"/>
           </a:bodyPr>
           <a:lstStyle/>
           <a:p>
@@ -1127,7 +1132,7 @@
         <p:spPr/>
         <p:txBody>
           <a:bodyPr>
-            <a:normAutofit/>
+            <a:normAutofit fontScale="25000" lnSpcReduction="20000"/>
           </a:bodyPr>
           <a:lstStyle/>
           <a:p>
@@ -1686,7 +1691,7 @@
           <a:p>
             <a:fld id="{1D8BD707-D9CF-40AE-B4C6-C98DA3205C09}" type="datetimeFigureOut">
               <a:rPr lang="en-US"/>
-              <a:t>10/4/2023</a:t>
+              <a:t>10/6/2023</a:t>
             </a:fld>
             <a:endParaRPr lang="en-US"/>
           </a:p>
@@ -2238,7 +2243,7 @@
           <a:p>
             <a:fld id="{1D8BD707-D9CF-40AE-B4C6-C98DA3205C09}" type="datetimeFigureOut">
               <a:rPr lang="en-US"/>
-              <a:t>10/4/2023</a:t>
+              <a:t>10/6/2023</a:t>
             </a:fld>
             <a:endParaRPr lang="en-US"/>
           </a:p>
@@ -2856,7 +2861,7 @@
           <a:p>
             <a:fld id="{1D8BD707-D9CF-40AE-B4C6-C98DA3205C09}" type="datetimeFigureOut">
               <a:rPr lang="en-US"/>
-              <a:t>10/4/2023</a:t>
+              <a:t>10/6/2023</a:t>
             </a:fld>
             <a:endParaRPr lang="en-US"/>
           </a:p>
@@ -3408,7 +3413,7 @@
           <a:p>
             <a:fld id="{1D8BD707-D9CF-40AE-B4C6-C98DA3205C09}" type="datetimeFigureOut">
               <a:rPr lang="en-US"/>
-              <a:t>10/4/2023</a:t>
+              <a:t>10/6/2023</a:t>
             </a:fld>
             <a:endParaRPr lang="en-US"/>
           </a:p>
@@ -3527,7 +3532,7 @@
           <a:p>
             <a:fld id="{1D8BD707-D9CF-40AE-B4C6-C98DA3205C09}" type="datetimeFigureOut">
               <a:rPr lang="en-US"/>
-              <a:t>10/4/2023</a:t>
+              <a:t>10/6/2023</a:t>
             </a:fld>
             <a:endParaRPr lang="en-US"/>
           </a:p>
@@ -3781,7 +3786,7 @@
           <a:p>
             <a:fld id="{1D8BD707-D9CF-40AE-B4C6-C98DA3205C09}" type="datetimeFigureOut">
               <a:rPr lang="en-US"/>
-              <a:t>10/4/2023</a:t>
+              <a:t>10/6/2023</a:t>
             </a:fld>
             <a:endParaRPr lang="en-US"/>
           </a:p>
@@ -5069,6 +5074,177 @@
       <p:sp>
         <p:nvSpPr>
           <p:cNvPr id="2" name="object 2"/>
+          <p:cNvSpPr txBox="1"/>
+          <p:nvPr/>
+        </p:nvSpPr>
+        <p:spPr>
+          <a:xfrm>
+            <a:off x="3810000" y="574358"/>
+            <a:ext cx="5029200" cy="492443"/>
+          </a:xfrm>
+          <a:prstGeom prst="rect">
+            <a:avLst/>
+          </a:prstGeom>
+        </p:spPr>
+        <p:txBody>
+          <a:bodyPr vert="horz" wrap="square" lIns="0" tIns="0" rIns="0" bIns="0" rtlCol="0">
+            <a:spAutoFit/>
+          </a:bodyPr>
+          <a:lstStyle/>
+          <a:p>
+            <a:pPr marL="12700">
+              <a:lnSpc>
+                <a:spcPct val="100000"/>
+              </a:lnSpc>
+            </a:pPr>
+            <a:r>
+              <a:rPr sz="3200" b="1" spc="175" dirty="0" err="1">
+                <a:latin typeface="Arial"/>
+                <a:cs typeface="Arial"/>
+              </a:rPr>
+              <a:t>Gr</a:t>
+            </a:r>
+            <a:r>
+              <a:rPr sz="3200" b="1" spc="165" dirty="0" err="1">
+                <a:latin typeface="Arial"/>
+                <a:cs typeface="Arial"/>
+              </a:rPr>
+              <a:t>á</a:t>
+            </a:r>
+            <a:r>
+              <a:rPr sz="3200" b="1" spc="170" dirty="0" err="1">
+                <a:latin typeface="Arial"/>
+                <a:cs typeface="Arial"/>
+              </a:rPr>
+              <a:t>fi</a:t>
+            </a:r>
+            <a:r>
+              <a:rPr sz="3200" b="1" spc="180" dirty="0" err="1">
+                <a:latin typeface="Arial"/>
+                <a:cs typeface="Arial"/>
+              </a:rPr>
+              <a:t>c</a:t>
+            </a:r>
+            <a:r>
+              <a:rPr sz="3200" b="1" dirty="0" err="1">
+                <a:latin typeface="Arial"/>
+                <a:cs typeface="Arial"/>
+              </a:rPr>
+              <a:t>a</a:t>
+            </a:r>
+            <a:r>
+              <a:rPr sz="3200" b="1" dirty="0">
+                <a:latin typeface="Arial"/>
+                <a:cs typeface="Arial"/>
+              </a:rPr>
+              <a:t> </a:t>
+            </a:r>
+            <a:r>
+              <a:rPr sz="3200" b="1" spc="160" dirty="0">
+                <a:latin typeface="Arial"/>
+                <a:cs typeface="Arial"/>
+              </a:rPr>
+              <a:t>s</a:t>
+            </a:r>
+            <a:r>
+              <a:rPr sz="3200" b="1" spc="150" dirty="0">
+                <a:latin typeface="Arial"/>
+                <a:cs typeface="Arial"/>
+              </a:rPr>
+              <a:t>i</a:t>
+            </a:r>
+            <a:r>
+              <a:rPr sz="3200" b="1" spc="145" dirty="0">
+                <a:latin typeface="Arial"/>
+                <a:cs typeface="Arial"/>
+              </a:rPr>
+              <a:t>mp</a:t>
+            </a:r>
+            <a:r>
+              <a:rPr sz="3200" b="1" spc="150" dirty="0">
+                <a:latin typeface="Arial"/>
+                <a:cs typeface="Arial"/>
+              </a:rPr>
+              <a:t>l</a:t>
+            </a:r>
+            <a:r>
+              <a:rPr sz="3200" b="1" dirty="0">
+                <a:latin typeface="Arial"/>
+                <a:cs typeface="Arial"/>
+              </a:rPr>
+              <a:t>e</a:t>
+            </a:r>
+            <a:r>
+              <a:rPr lang="es-ES" sz="3200" b="1" dirty="0">
+                <a:latin typeface="Arial"/>
+                <a:cs typeface="Arial"/>
+              </a:rPr>
+              <a:t> de línea</a:t>
+            </a:r>
+            <a:endParaRPr sz="3200" b="1" dirty="0">
+              <a:latin typeface="Arial"/>
+              <a:cs typeface="Arial"/>
+            </a:endParaRPr>
+          </a:p>
+        </p:txBody>
+      </p:sp>
+      <p:sp>
+        <p:nvSpPr>
+          <p:cNvPr id="4" name="object 4"/>
+          <p:cNvSpPr/>
+          <p:nvPr/>
+        </p:nvSpPr>
+        <p:spPr>
+          <a:xfrm>
+            <a:off x="2744723" y="1648967"/>
+            <a:ext cx="7591044" cy="4142232"/>
+          </a:xfrm>
+          <a:prstGeom prst="rect">
+            <a:avLst/>
+          </a:prstGeom>
+          <a:blipFill>
+            <a:blip r:embed="rId3" cstate="print"/>
+            <a:stretch>
+              <a:fillRect/>
+            </a:stretch>
+          </a:blipFill>
+        </p:spPr>
+        <p:txBody>
+          <a:bodyPr wrap="square" lIns="0" tIns="0" rIns="0" bIns="0" rtlCol="0"/>
+          <a:lstStyle/>
+          <a:p>
+            <a:endParaRPr/>
+          </a:p>
+        </p:txBody>
+      </p:sp>
+    </p:spTree>
+  </p:cSld>
+  <p:clrMapOvr>
+    <a:masterClrMapping/>
+  </p:clrMapOvr>
+</p:sld>
+</file>
+
+<file path=ppt/slides/slide11.xml><?xml version="1.0" encoding="utf-8"?>
+<p:sld xmlns:a="http://schemas.openxmlformats.org/drawingml/2006/main" xmlns:r="http://schemas.openxmlformats.org/officeDocument/2006/relationships" xmlns:p="http://schemas.openxmlformats.org/presentationml/2006/main">
+  <p:cSld>
+    <p:spTree>
+      <p:nvGrpSpPr>
+        <p:cNvPr id="1" name=""/>
+        <p:cNvGrpSpPr/>
+        <p:nvPr/>
+      </p:nvGrpSpPr>
+      <p:grpSpPr>
+        <a:xfrm>
+          <a:off x="0" y="0"/>
+          <a:ext cx="0" cy="0"/>
+          <a:chOff x="0" y="0"/>
+          <a:chExt cx="0" cy="0"/>
+        </a:xfrm>
+      </p:grpSpPr>
+      <p:sp>
+        <p:nvSpPr>
+          <p:cNvPr id="2" name="object 2"/>
           <p:cNvSpPr/>
           <p:nvPr/>
         </p:nvSpPr>
@@ -5510,7 +5686,7 @@
 </p:sld>
 </file>
 
-<file path=ppt/slides/slide11.xml><?xml version="1.0" encoding="utf-8"?>
+<file path=ppt/slides/slide12.xml><?xml version="1.0" encoding="utf-8"?>
 <p:sld xmlns:a="http://schemas.openxmlformats.org/drawingml/2006/main" xmlns:r="http://schemas.openxmlformats.org/officeDocument/2006/relationships" xmlns:p="http://schemas.openxmlformats.org/presentationml/2006/main">
   <p:cSld>
     <p:spTree>
@@ -6146,170 +6322,6 @@
 </p:sld>
 </file>
 
-<file path=ppt/slides/slide12.xml><?xml version="1.0" encoding="utf-8"?>
-<p:sld xmlns:a="http://schemas.openxmlformats.org/drawingml/2006/main" xmlns:r="http://schemas.openxmlformats.org/officeDocument/2006/relationships" xmlns:p="http://schemas.openxmlformats.org/presentationml/2006/main">
-  <p:cSld>
-    <p:spTree>
-      <p:nvGrpSpPr>
-        <p:cNvPr id="1" name=""/>
-        <p:cNvGrpSpPr/>
-        <p:nvPr/>
-      </p:nvGrpSpPr>
-      <p:grpSpPr>
-        <a:xfrm>
-          <a:off x="0" y="0"/>
-          <a:ext cx="0" cy="0"/>
-          <a:chOff x="0" y="0"/>
-          <a:chExt cx="0" cy="0"/>
-        </a:xfrm>
-      </p:grpSpPr>
-      <p:sp>
-        <p:nvSpPr>
-          <p:cNvPr id="2" name="object 2"/>
-          <p:cNvSpPr txBox="1"/>
-          <p:nvPr/>
-        </p:nvSpPr>
-        <p:spPr>
-          <a:xfrm>
-            <a:off x="4592828" y="96234"/>
-            <a:ext cx="3477895" cy="432434"/>
-          </a:xfrm>
-          <a:prstGeom prst="rect">
-            <a:avLst/>
-          </a:prstGeom>
-        </p:spPr>
-        <p:txBody>
-          <a:bodyPr vert="horz" wrap="square" lIns="0" tIns="0" rIns="0" bIns="0" rtlCol="0">
-            <a:spAutoFit/>
-          </a:bodyPr>
-          <a:lstStyle/>
-          <a:p>
-            <a:pPr marL="12700">
-              <a:lnSpc>
-                <a:spcPct val="100000"/>
-              </a:lnSpc>
-            </a:pPr>
-            <a:r>
-              <a:rPr sz="3200" spc="125" dirty="0">
-                <a:latin typeface="Arial"/>
-                <a:cs typeface="Arial"/>
-              </a:rPr>
-              <a:t>Fo</a:t>
-            </a:r>
-            <a:r>
-              <a:rPr sz="3200" spc="130" dirty="0">
-                <a:latin typeface="Arial"/>
-                <a:cs typeface="Arial"/>
-              </a:rPr>
-              <a:t>r</a:t>
-            </a:r>
-            <a:r>
-              <a:rPr sz="3200" spc="125" dirty="0">
-                <a:latin typeface="Arial"/>
-                <a:cs typeface="Arial"/>
-              </a:rPr>
-              <a:t>mat</a:t>
-            </a:r>
-            <a:r>
-              <a:rPr sz="3200" dirty="0">
-                <a:latin typeface="Arial"/>
-                <a:cs typeface="Arial"/>
-              </a:rPr>
-              <a:t>o</a:t>
-            </a:r>
-            <a:r>
-              <a:rPr sz="3200" spc="280" dirty="0">
-                <a:latin typeface="Arial"/>
-                <a:cs typeface="Arial"/>
-              </a:rPr>
-              <a:t> </a:t>
-            </a:r>
-            <a:r>
-              <a:rPr sz="3200" spc="165" dirty="0">
-                <a:latin typeface="Arial"/>
-                <a:cs typeface="Arial"/>
-              </a:rPr>
-              <a:t>pa</a:t>
-            </a:r>
-            <a:r>
-              <a:rPr sz="3200" spc="175" dirty="0">
-                <a:latin typeface="Arial"/>
-                <a:cs typeface="Arial"/>
-              </a:rPr>
-              <a:t>r</a:t>
-            </a:r>
-            <a:r>
-              <a:rPr sz="3200" dirty="0">
-                <a:latin typeface="Arial"/>
-                <a:cs typeface="Arial"/>
-              </a:rPr>
-              <a:t>a</a:t>
-            </a:r>
-            <a:r>
-              <a:rPr sz="3200" spc="-225" dirty="0">
-                <a:latin typeface="Arial"/>
-                <a:cs typeface="Arial"/>
-              </a:rPr>
-              <a:t> </a:t>
-            </a:r>
-            <a:r>
-              <a:rPr sz="3200" spc="185" dirty="0">
-                <a:latin typeface="Arial"/>
-                <a:cs typeface="Arial"/>
-              </a:rPr>
-              <a:t>plo</a:t>
-            </a:r>
-            <a:r>
-              <a:rPr sz="3200" dirty="0">
-                <a:latin typeface="Arial"/>
-                <a:cs typeface="Arial"/>
-              </a:rPr>
-              <a:t>t</a:t>
-            </a:r>
-            <a:endParaRPr sz="3200">
-              <a:latin typeface="Arial"/>
-              <a:cs typeface="Arial"/>
-            </a:endParaRPr>
-          </a:p>
-        </p:txBody>
-      </p:sp>
-      <p:sp>
-        <p:nvSpPr>
-          <p:cNvPr id="3" name="object 3"/>
-          <p:cNvSpPr/>
-          <p:nvPr/>
-        </p:nvSpPr>
-        <p:spPr>
-          <a:xfrm>
-            <a:off x="3430523" y="1095755"/>
-            <a:ext cx="5812535" cy="5029200"/>
-          </a:xfrm>
-          <a:prstGeom prst="rect">
-            <a:avLst/>
-          </a:prstGeom>
-          <a:blipFill>
-            <a:blip r:embed="rId3" cstate="print"/>
-            <a:stretch>
-              <a:fillRect/>
-            </a:stretch>
-          </a:blipFill>
-        </p:spPr>
-        <p:txBody>
-          <a:bodyPr wrap="square" lIns="0" tIns="0" rIns="0" bIns="0" rtlCol="0"/>
-          <a:lstStyle/>
-          <a:p>
-            <a:endParaRPr/>
-          </a:p>
-        </p:txBody>
-      </p:sp>
-    </p:spTree>
-  </p:cSld>
-  <p:clrMapOvr>
-    <a:masterClrMapping/>
-  </p:clrMapOvr>
-</p:sld>
-</file>
-
 <file path=ppt/slides/slide13.xml><?xml version="1.0" encoding="utf-8"?>
 <p:sld xmlns:a="http://schemas.openxmlformats.org/drawingml/2006/main" xmlns:r="http://schemas.openxmlformats.org/officeDocument/2006/relationships" xmlns:p="http://schemas.openxmlformats.org/presentationml/2006/main">
   <p:cSld>
@@ -6330,50 +6342,110 @@
       <p:sp>
         <p:nvSpPr>
           <p:cNvPr id="2" name="object 2"/>
-          <p:cNvSpPr/>
+          <p:cNvSpPr txBox="1"/>
           <p:nvPr/>
         </p:nvSpPr>
         <p:spPr>
           <a:xfrm>
-            <a:off x="457200" y="0"/>
-            <a:ext cx="1122045" cy="5329555"/>
+            <a:off x="4592828" y="96234"/>
+            <a:ext cx="3477895" cy="432434"/>
           </a:xfrm>
-          <a:custGeom>
+          <a:prstGeom prst="rect">
             <a:avLst/>
-            <a:gdLst/>
-            <a:ahLst/>
-            <a:cxnLst/>
-            <a:rect l="l" t="t" r="r" b="b"/>
-            <a:pathLst>
-              <a:path w="1122045" h="5329555">
-                <a:moveTo>
-                  <a:pt x="1121664" y="0"/>
-                </a:moveTo>
-                <a:lnTo>
-                  <a:pt x="867791" y="0"/>
-                </a:lnTo>
-                <a:lnTo>
-                  <a:pt x="0" y="5286502"/>
-                </a:lnTo>
-                <a:lnTo>
-                  <a:pt x="247497" y="5329428"/>
-                </a:lnTo>
-                <a:lnTo>
-                  <a:pt x="1121664" y="0"/>
-                </a:lnTo>
-                <a:close/>
-              </a:path>
-            </a:pathLst>
-          </a:custGeom>
-          <a:solidFill>
-            <a:srgbClr val="2FACEB"/>
-          </a:solidFill>
+          </a:prstGeom>
         </p:spPr>
         <p:txBody>
-          <a:bodyPr wrap="square" lIns="0" tIns="0" rIns="0" bIns="0" rtlCol="0"/>
+          <a:bodyPr vert="horz" wrap="square" lIns="0" tIns="0" rIns="0" bIns="0" rtlCol="0">
+            <a:spAutoFit/>
+          </a:bodyPr>
           <a:lstStyle/>
           <a:p>
-            <a:endParaRPr/>
+            <a:pPr marL="12700">
+              <a:lnSpc>
+                <a:spcPct val="100000"/>
+              </a:lnSpc>
+            </a:pPr>
+            <a:r>
+              <a:rPr sz="3200" spc="125" dirty="0">
+                <a:latin typeface="Arial"/>
+                <a:cs typeface="Arial"/>
+              </a:rPr>
+              <a:t>Fo</a:t>
+            </a:r>
+            <a:r>
+              <a:rPr sz="3200" spc="130" dirty="0">
+                <a:latin typeface="Arial"/>
+                <a:cs typeface="Arial"/>
+              </a:rPr>
+              <a:t>r</a:t>
+            </a:r>
+            <a:r>
+              <a:rPr sz="3200" spc="125" dirty="0">
+                <a:latin typeface="Arial"/>
+                <a:cs typeface="Arial"/>
+              </a:rPr>
+              <a:t>mat</a:t>
+            </a:r>
+            <a:r>
+              <a:rPr sz="3200" dirty="0">
+                <a:latin typeface="Arial"/>
+                <a:cs typeface="Arial"/>
+              </a:rPr>
+              <a:t>o</a:t>
+            </a:r>
+            <a:r>
+              <a:rPr sz="3200" spc="280" dirty="0">
+                <a:latin typeface="Arial"/>
+                <a:cs typeface="Arial"/>
+              </a:rPr>
+              <a:t> </a:t>
+            </a:r>
+            <a:r>
+              <a:rPr sz="3200" spc="165" dirty="0">
+                <a:latin typeface="Arial"/>
+                <a:cs typeface="Arial"/>
+              </a:rPr>
+              <a:t>pa</a:t>
+            </a:r>
+            <a:r>
+              <a:rPr sz="3200" spc="175" dirty="0">
+                <a:latin typeface="Arial"/>
+                <a:cs typeface="Arial"/>
+              </a:rPr>
+              <a:t>r</a:t>
+            </a:r>
+            <a:r>
+              <a:rPr sz="3200" dirty="0">
+                <a:latin typeface="Arial"/>
+                <a:cs typeface="Arial"/>
+              </a:rPr>
+              <a:t>a</a:t>
+            </a:r>
+            <a:r>
+              <a:rPr sz="3200" spc="-225" dirty="0">
+                <a:latin typeface="Arial"/>
+                <a:cs typeface="Arial"/>
+              </a:rPr>
+              <a:t> </a:t>
+            </a:r>
+            <a:r>
+              <a:rPr sz="3200" spc="185" dirty="0">
+                <a:latin typeface="Arial"/>
+                <a:cs typeface="Arial"/>
+              </a:rPr>
+              <a:t>plo</a:t>
+            </a:r>
+            <a:r>
+              <a:rPr sz="3200" dirty="0">
+                <a:latin typeface="Arial"/>
+                <a:cs typeface="Arial"/>
+              </a:rPr>
+              <a:t>t</a:t>
+            </a:r>
+            <a:endParaRPr sz="3200">
+              <a:latin typeface="Arial"/>
+              <a:cs typeface="Arial"/>
+            </a:endParaRPr>
           </a:p>
         </p:txBody>
       </p:sp>
@@ -6385,267 +6457,8 @@
         </p:nvSpPr>
         <p:spPr>
           <a:xfrm>
-            <a:off x="150876" y="0"/>
-            <a:ext cx="1117600" cy="5278120"/>
-          </a:xfrm>
-          <a:custGeom>
-            <a:avLst/>
-            <a:gdLst/>
-            <a:ahLst/>
-            <a:cxnLst/>
-            <a:rect l="l" t="t" r="r" b="b"/>
-            <a:pathLst>
-              <a:path w="1117600" h="5278120">
-                <a:moveTo>
-                  <a:pt x="1117092" y="0"/>
-                </a:moveTo>
-                <a:lnTo>
-                  <a:pt x="864793" y="0"/>
-                </a:lnTo>
-                <a:lnTo>
-                  <a:pt x="0" y="5239512"/>
-                </a:lnTo>
-                <a:lnTo>
-                  <a:pt x="249123" y="5277612"/>
-                </a:lnTo>
-                <a:lnTo>
-                  <a:pt x="1117092" y="0"/>
-                </a:lnTo>
-                <a:close/>
-              </a:path>
-            </a:pathLst>
-          </a:custGeom>
-          <a:solidFill>
-            <a:srgbClr val="585858"/>
-          </a:solidFill>
-        </p:spPr>
-        <p:txBody>
-          <a:bodyPr wrap="square" lIns="0" tIns="0" rIns="0" bIns="0" rtlCol="0"/>
-          <a:lstStyle/>
-          <a:p>
-            <a:endParaRPr/>
-          </a:p>
-        </p:txBody>
-      </p:sp>
-      <p:sp>
-        <p:nvSpPr>
-          <p:cNvPr id="4" name="object 4"/>
-          <p:cNvSpPr/>
-          <p:nvPr/>
-        </p:nvSpPr>
-        <p:spPr>
-          <a:xfrm>
-            <a:off x="150876" y="5239511"/>
-            <a:ext cx="1228725" cy="1618615"/>
-          </a:xfrm>
-          <a:custGeom>
-            <a:avLst/>
-            <a:gdLst/>
-            <a:ahLst/>
-            <a:cxnLst/>
-            <a:rect l="l" t="t" r="r" b="b"/>
-            <a:pathLst>
-              <a:path w="1228725" h="1618615">
-                <a:moveTo>
-                  <a:pt x="0" y="0"/>
-                </a:moveTo>
-                <a:lnTo>
-                  <a:pt x="1174369" y="1618487"/>
-                </a:lnTo>
-                <a:lnTo>
-                  <a:pt x="1228344" y="1618487"/>
-                </a:lnTo>
-                <a:lnTo>
-                  <a:pt x="0" y="0"/>
-                </a:lnTo>
-                <a:close/>
-              </a:path>
-            </a:pathLst>
-          </a:custGeom>
-          <a:solidFill>
-            <a:srgbClr val="252525"/>
-          </a:solidFill>
-        </p:spPr>
-        <p:txBody>
-          <a:bodyPr wrap="square" lIns="0" tIns="0" rIns="0" bIns="0" rtlCol="0"/>
-          <a:lstStyle/>
-          <a:p>
-            <a:endParaRPr/>
-          </a:p>
-        </p:txBody>
-      </p:sp>
-      <p:sp>
-        <p:nvSpPr>
-          <p:cNvPr id="5" name="object 5"/>
-          <p:cNvSpPr/>
-          <p:nvPr/>
-        </p:nvSpPr>
-        <p:spPr>
-          <a:xfrm>
-            <a:off x="457200" y="5291328"/>
-            <a:ext cx="1495425" cy="1567180"/>
-          </a:xfrm>
-          <a:custGeom>
-            <a:avLst/>
-            <a:gdLst/>
-            <a:ahLst/>
-            <a:cxnLst/>
-            <a:rect l="l" t="t" r="r" b="b"/>
-            <a:pathLst>
-              <a:path w="1495425" h="1567179">
-                <a:moveTo>
-                  <a:pt x="0" y="0"/>
-                </a:moveTo>
-                <a:lnTo>
-                  <a:pt x="1442720" y="1566672"/>
-                </a:lnTo>
-                <a:lnTo>
-                  <a:pt x="1495044" y="1566672"/>
-                </a:lnTo>
-                <a:lnTo>
-                  <a:pt x="0" y="0"/>
-                </a:lnTo>
-                <a:close/>
-              </a:path>
-            </a:pathLst>
-          </a:custGeom>
-          <a:solidFill>
-            <a:srgbClr val="0C5A82"/>
-          </a:solidFill>
-        </p:spPr>
-        <p:txBody>
-          <a:bodyPr wrap="square" lIns="0" tIns="0" rIns="0" bIns="0" rtlCol="0"/>
-          <a:lstStyle/>
-          <a:p>
-            <a:endParaRPr/>
-          </a:p>
-        </p:txBody>
-      </p:sp>
-      <p:sp>
-        <p:nvSpPr>
-          <p:cNvPr id="6" name="object 6"/>
-          <p:cNvSpPr/>
-          <p:nvPr/>
-        </p:nvSpPr>
-        <p:spPr>
-          <a:xfrm>
-            <a:off x="457200" y="5286755"/>
-            <a:ext cx="2129155" cy="1571625"/>
-          </a:xfrm>
-          <a:custGeom>
-            <a:avLst/>
-            <a:gdLst/>
-            <a:ahLst/>
-            <a:cxnLst/>
-            <a:rect l="l" t="t" r="r" b="b"/>
-            <a:pathLst>
-              <a:path w="2129155" h="1571625">
-                <a:moveTo>
-                  <a:pt x="0" y="0"/>
-                </a:moveTo>
-                <a:lnTo>
-                  <a:pt x="0" y="4699"/>
-                </a:lnTo>
-                <a:lnTo>
-                  <a:pt x="1494408" y="1571243"/>
-                </a:lnTo>
-                <a:lnTo>
-                  <a:pt x="2129028" y="1571243"/>
-                </a:lnTo>
-                <a:lnTo>
-                  <a:pt x="247484" y="42799"/>
-                </a:lnTo>
-                <a:lnTo>
-                  <a:pt x="0" y="0"/>
-                </a:lnTo>
-                <a:close/>
-              </a:path>
-            </a:pathLst>
-          </a:custGeom>
-          <a:solidFill>
-            <a:srgbClr val="1286C3"/>
-          </a:solidFill>
-        </p:spPr>
-        <p:txBody>
-          <a:bodyPr wrap="square" lIns="0" tIns="0" rIns="0" bIns="0" rtlCol="0"/>
-          <a:lstStyle/>
-          <a:p>
-            <a:endParaRPr/>
-          </a:p>
-        </p:txBody>
-      </p:sp>
-      <p:sp>
-        <p:nvSpPr>
-          <p:cNvPr id="7" name="object 7"/>
-          <p:cNvSpPr/>
-          <p:nvPr/>
-        </p:nvSpPr>
-        <p:spPr>
-          <a:xfrm>
-            <a:off x="150876" y="5239511"/>
-            <a:ext cx="1694814" cy="1618615"/>
-          </a:xfrm>
-          <a:custGeom>
-            <a:avLst/>
-            <a:gdLst/>
-            <a:ahLst/>
-            <a:cxnLst/>
-            <a:rect l="l" t="t" r="r" b="b"/>
-            <a:pathLst>
-              <a:path w="1694814" h="1618615">
-                <a:moveTo>
-                  <a:pt x="0" y="0"/>
-                </a:moveTo>
-                <a:lnTo>
-                  <a:pt x="1228217" y="1618487"/>
-                </a:lnTo>
-                <a:lnTo>
-                  <a:pt x="1694688" y="1618487"/>
-                </a:lnTo>
-                <a:lnTo>
-                  <a:pt x="291972" y="95250"/>
-                </a:lnTo>
-                <a:lnTo>
-                  <a:pt x="244360" y="42799"/>
-                </a:lnTo>
-                <a:lnTo>
-                  <a:pt x="249123" y="42799"/>
-                </a:lnTo>
-                <a:lnTo>
-                  <a:pt x="249123" y="38100"/>
-                </a:lnTo>
-                <a:lnTo>
-                  <a:pt x="244360" y="38100"/>
-                </a:lnTo>
-                <a:lnTo>
-                  <a:pt x="0" y="0"/>
-                </a:lnTo>
-                <a:close/>
-              </a:path>
-            </a:pathLst>
-          </a:custGeom>
-          <a:solidFill>
-            <a:srgbClr val="404040"/>
-          </a:solidFill>
-        </p:spPr>
-        <p:txBody>
-          <a:bodyPr wrap="square" lIns="0" tIns="0" rIns="0" bIns="0" rtlCol="0"/>
-          <a:lstStyle/>
-          <a:p>
-            <a:endParaRPr/>
-          </a:p>
-        </p:txBody>
-      </p:sp>
-      <p:sp>
-        <p:nvSpPr>
-          <p:cNvPr id="8" name="object 8"/>
-          <p:cNvSpPr/>
-          <p:nvPr/>
-        </p:nvSpPr>
-        <p:spPr>
-          <a:xfrm>
-            <a:off x="0" y="6146290"/>
-            <a:ext cx="12188951" cy="711707"/>
+            <a:off x="3430523" y="1095755"/>
+            <a:ext cx="5812535" cy="5029200"/>
           </a:xfrm>
           <a:prstGeom prst="rect">
             <a:avLst/>
@@ -6662,719 +6475,6 @@
           <a:lstStyle/>
           <a:p>
             <a:endParaRPr/>
-          </a:p>
-        </p:txBody>
-      </p:sp>
-      <p:sp>
-        <p:nvSpPr>
-          <p:cNvPr id="9" name="object 9"/>
-          <p:cNvSpPr/>
-          <p:nvPr/>
-        </p:nvSpPr>
-        <p:spPr>
-          <a:xfrm>
-            <a:off x="5359908" y="6316978"/>
-            <a:ext cx="1690115" cy="446530"/>
-          </a:xfrm>
-          <a:prstGeom prst="rect">
-            <a:avLst/>
-          </a:prstGeom>
-          <a:blipFill>
-            <a:blip r:embed="rId4" cstate="print"/>
-            <a:stretch>
-              <a:fillRect/>
-            </a:stretch>
-          </a:blipFill>
-        </p:spPr>
-        <p:txBody>
-          <a:bodyPr wrap="square" lIns="0" tIns="0" rIns="0" bIns="0" rtlCol="0"/>
-          <a:lstStyle/>
-          <a:p>
-            <a:endParaRPr/>
-          </a:p>
-        </p:txBody>
-      </p:sp>
-      <p:sp>
-        <p:nvSpPr>
-          <p:cNvPr id="10" name="object 10"/>
-          <p:cNvSpPr/>
-          <p:nvPr/>
-        </p:nvSpPr>
-        <p:spPr>
-          <a:xfrm>
-            <a:off x="1548383" y="292608"/>
-            <a:ext cx="4725924" cy="3294888"/>
-          </a:xfrm>
-          <a:prstGeom prst="rect">
-            <a:avLst/>
-          </a:prstGeom>
-          <a:blipFill>
-            <a:blip r:embed="rId5" cstate="print"/>
-            <a:stretch>
-              <a:fillRect/>
-            </a:stretch>
-          </a:blipFill>
-        </p:spPr>
-        <p:txBody>
-          <a:bodyPr wrap="square" lIns="0" tIns="0" rIns="0" bIns="0" rtlCol="0"/>
-          <a:lstStyle/>
-          <a:p>
-            <a:endParaRPr/>
-          </a:p>
-        </p:txBody>
-      </p:sp>
-      <p:sp>
-        <p:nvSpPr>
-          <p:cNvPr id="11" name="object 11"/>
-          <p:cNvSpPr/>
-          <p:nvPr/>
-        </p:nvSpPr>
-        <p:spPr>
-          <a:xfrm>
-            <a:off x="7098792" y="3429000"/>
-            <a:ext cx="4722876" cy="2554224"/>
-          </a:xfrm>
-          <a:prstGeom prst="rect">
-            <a:avLst/>
-          </a:prstGeom>
-          <a:blipFill>
-            <a:blip r:embed="rId6" cstate="print"/>
-            <a:stretch>
-              <a:fillRect/>
-            </a:stretch>
-          </a:blipFill>
-        </p:spPr>
-        <p:txBody>
-          <a:bodyPr wrap="square" lIns="0" tIns="0" rIns="0" bIns="0" rtlCol="0"/>
-          <a:lstStyle/>
-          <a:p>
-            <a:endParaRPr/>
-          </a:p>
-        </p:txBody>
-      </p:sp>
-      <p:sp>
-        <p:nvSpPr>
-          <p:cNvPr id="12" name="object 12"/>
-          <p:cNvSpPr/>
-          <p:nvPr/>
-        </p:nvSpPr>
-        <p:spPr>
-          <a:xfrm>
-            <a:off x="2314317" y="4350259"/>
-            <a:ext cx="5012435" cy="509015"/>
-          </a:xfrm>
-          <a:prstGeom prst="rect">
-            <a:avLst/>
-          </a:prstGeom>
-          <a:blipFill>
-            <a:blip r:embed="rId7" cstate="print"/>
-            <a:stretch>
-              <a:fillRect/>
-            </a:stretch>
-          </a:blipFill>
-        </p:spPr>
-        <p:txBody>
-          <a:bodyPr wrap="square" lIns="0" tIns="0" rIns="0" bIns="0" rtlCol="0"/>
-          <a:lstStyle/>
-          <a:p>
-            <a:endParaRPr/>
-          </a:p>
-        </p:txBody>
-      </p:sp>
-      <p:sp>
-        <p:nvSpPr>
-          <p:cNvPr id="13" name="object 13"/>
-          <p:cNvSpPr txBox="1"/>
-          <p:nvPr/>
-        </p:nvSpPr>
-        <p:spPr>
-          <a:xfrm>
-            <a:off x="6822185" y="621694"/>
-            <a:ext cx="5260975" cy="2215991"/>
-          </a:xfrm>
-          <a:prstGeom prst="rect">
-            <a:avLst/>
-          </a:prstGeom>
-        </p:spPr>
-        <p:txBody>
-          <a:bodyPr vert="horz" wrap="square" lIns="0" tIns="0" rIns="0" bIns="0" rtlCol="0">
-            <a:spAutoFit/>
-          </a:bodyPr>
-          <a:lstStyle/>
-          <a:p>
-            <a:pPr marL="12700">
-              <a:lnSpc>
-                <a:spcPct val="100000"/>
-              </a:lnSpc>
-            </a:pPr>
-            <a:r>
-              <a:rPr sz="2400" b="1" spc="-20" dirty="0">
-                <a:latin typeface="Corbel"/>
-                <a:cs typeface="Corbel"/>
-              </a:rPr>
-              <a:t>Ejemplos</a:t>
-            </a:r>
-            <a:endParaRPr sz="2400" b="1" dirty="0">
-              <a:latin typeface="Corbel"/>
-              <a:cs typeface="Corbel"/>
-            </a:endParaRPr>
-          </a:p>
-          <a:p>
-            <a:pPr marL="469900">
-              <a:lnSpc>
-                <a:spcPct val="100000"/>
-              </a:lnSpc>
-            </a:pPr>
-            <a:r>
-              <a:rPr lang="es-ES" sz="2400" b="1" dirty="0">
-                <a:latin typeface="Corbel"/>
-                <a:cs typeface="Corbel"/>
-              </a:rPr>
-              <a:t>"</a:t>
-            </a:r>
-            <a:r>
-              <a:rPr sz="2400" b="1" dirty="0">
-                <a:latin typeface="Corbel"/>
-                <a:cs typeface="Corbel"/>
-              </a:rPr>
-              <a:t>b.</a:t>
-            </a:r>
-            <a:r>
-              <a:rPr lang="es-ES" sz="2400" b="1" dirty="0">
-                <a:latin typeface="Corbel"/>
-                <a:cs typeface="Corbel"/>
-              </a:rPr>
-              <a:t>"</a:t>
-            </a:r>
-            <a:r>
-              <a:rPr sz="2400" spc="-10" dirty="0">
-                <a:latin typeface="Corbel"/>
-                <a:cs typeface="Corbel"/>
-              </a:rPr>
-              <a:t> </a:t>
-            </a:r>
-            <a:r>
-              <a:rPr sz="2400" dirty="0">
-                <a:latin typeface="Corbel"/>
-                <a:cs typeface="Corbel"/>
-              </a:rPr>
-              <a:t>pun</a:t>
-            </a:r>
-            <a:r>
-              <a:rPr sz="2400" spc="-15" dirty="0">
-                <a:latin typeface="Corbel"/>
-                <a:cs typeface="Corbel"/>
-              </a:rPr>
-              <a:t>t</a:t>
-            </a:r>
-            <a:r>
-              <a:rPr sz="2400" dirty="0">
-                <a:latin typeface="Corbel"/>
-                <a:cs typeface="Corbel"/>
-              </a:rPr>
-              <a:t>os de color</a:t>
-            </a:r>
-            <a:r>
-              <a:rPr sz="2400" spc="-25" dirty="0">
-                <a:latin typeface="Corbel"/>
-                <a:cs typeface="Corbel"/>
-              </a:rPr>
-              <a:t> </a:t>
-            </a:r>
-            <a:r>
-              <a:rPr sz="2400" dirty="0">
-                <a:latin typeface="Corbel"/>
-                <a:cs typeface="Corbel"/>
-              </a:rPr>
-              <a:t>azul</a:t>
-            </a:r>
-          </a:p>
-          <a:p>
-            <a:pPr marL="469900">
-              <a:lnSpc>
-                <a:spcPct val="100000"/>
-              </a:lnSpc>
-            </a:pPr>
-            <a:r>
-              <a:rPr lang="es-ES" sz="2400" b="1" dirty="0">
-                <a:latin typeface="Corbel"/>
-                <a:cs typeface="Corbel"/>
-              </a:rPr>
-              <a:t>"</a:t>
-            </a:r>
-            <a:r>
-              <a:rPr sz="2400" b="1" spc="-5" dirty="0">
-                <a:latin typeface="Corbel"/>
-                <a:cs typeface="Corbel"/>
-              </a:rPr>
-              <a:t>-</a:t>
-            </a:r>
-            <a:r>
-              <a:rPr sz="2400" b="1" dirty="0">
-                <a:latin typeface="Corbel"/>
-                <a:cs typeface="Corbel"/>
-              </a:rPr>
-              <a:t>.m</a:t>
-            </a:r>
-            <a:r>
-              <a:rPr lang="es-ES" sz="2400" b="1" dirty="0">
-                <a:latin typeface="Corbel"/>
-                <a:cs typeface="Corbel"/>
-              </a:rPr>
-              <a:t>"</a:t>
-            </a:r>
-            <a:r>
-              <a:rPr sz="2400" b="1" spc="-20" dirty="0">
-                <a:latin typeface="Corbel"/>
-                <a:cs typeface="Corbel"/>
-              </a:rPr>
-              <a:t> </a:t>
-            </a:r>
-            <a:r>
-              <a:rPr sz="2400" dirty="0">
-                <a:latin typeface="Corbel"/>
-                <a:cs typeface="Corbel"/>
-              </a:rPr>
-              <a:t>raya</a:t>
-            </a:r>
-            <a:r>
-              <a:rPr sz="2400" spc="-15" dirty="0">
-                <a:latin typeface="Corbel"/>
-                <a:cs typeface="Corbel"/>
-              </a:rPr>
-              <a:t> </a:t>
-            </a:r>
-            <a:r>
-              <a:rPr sz="2400" dirty="0">
-                <a:latin typeface="Corbel"/>
-                <a:cs typeface="Corbel"/>
-              </a:rPr>
-              <a:t>y pun</a:t>
-            </a:r>
-            <a:r>
-              <a:rPr sz="2400" spc="-10" dirty="0">
-                <a:latin typeface="Corbel"/>
-                <a:cs typeface="Corbel"/>
-              </a:rPr>
-              <a:t>t</a:t>
-            </a:r>
-            <a:r>
-              <a:rPr sz="2400" dirty="0">
-                <a:latin typeface="Corbel"/>
-                <a:cs typeface="Corbel"/>
-              </a:rPr>
-              <a:t>os a</a:t>
-            </a:r>
-            <a:r>
-              <a:rPr sz="2400" spc="-10" dirty="0">
-                <a:latin typeface="Corbel"/>
-                <a:cs typeface="Corbel"/>
-              </a:rPr>
-              <a:t>l</a:t>
-            </a:r>
-            <a:r>
-              <a:rPr sz="2400" dirty="0">
-                <a:latin typeface="Corbel"/>
-                <a:cs typeface="Corbel"/>
-              </a:rPr>
-              <a:t>terna</a:t>
-            </a:r>
-            <a:r>
-              <a:rPr sz="2400" spc="-10" dirty="0">
-                <a:latin typeface="Corbel"/>
-                <a:cs typeface="Corbel"/>
-              </a:rPr>
-              <a:t>d</a:t>
-            </a:r>
-            <a:r>
-              <a:rPr sz="2400" dirty="0">
-                <a:latin typeface="Corbel"/>
-                <a:cs typeface="Corbel"/>
-              </a:rPr>
-              <a:t>os</a:t>
-            </a:r>
-            <a:r>
-              <a:rPr sz="2400" spc="15" dirty="0">
-                <a:latin typeface="Corbel"/>
-                <a:cs typeface="Corbel"/>
-              </a:rPr>
-              <a:t> </a:t>
-            </a:r>
-            <a:r>
-              <a:rPr sz="2400" dirty="0" err="1">
-                <a:latin typeface="Corbel"/>
-                <a:cs typeface="Corbel"/>
-              </a:rPr>
-              <a:t>en</a:t>
-            </a:r>
-            <a:r>
-              <a:rPr sz="2400" dirty="0">
-                <a:latin typeface="Corbel"/>
-                <a:cs typeface="Corbel"/>
-              </a:rPr>
-              <a:t> c</a:t>
-            </a:r>
-            <a:r>
-              <a:rPr sz="2400" spc="5" dirty="0">
-                <a:latin typeface="Corbel"/>
-                <a:cs typeface="Corbel"/>
-              </a:rPr>
-              <a:t>o</a:t>
-            </a:r>
-            <a:r>
-              <a:rPr sz="2400" dirty="0">
-                <a:latin typeface="Corbel"/>
-                <a:cs typeface="Corbel"/>
-              </a:rPr>
-              <a:t>lor</a:t>
-            </a:r>
-            <a:r>
-              <a:rPr lang="es-ES" sz="2400" dirty="0">
-                <a:latin typeface="Corbel"/>
-                <a:cs typeface="Corbel"/>
-              </a:rPr>
-              <a:t> </a:t>
-            </a:r>
-            <a:r>
-              <a:rPr sz="2400" spc="-15" dirty="0">
-                <a:latin typeface="Corbel"/>
-                <a:cs typeface="Corbel"/>
-              </a:rPr>
-              <a:t>magenta</a:t>
-            </a:r>
-            <a:r>
-              <a:rPr sz="2400" spc="-10" dirty="0">
-                <a:latin typeface="Corbel"/>
-                <a:cs typeface="Corbel"/>
-              </a:rPr>
-              <a:t> </a:t>
-            </a:r>
-            <a:r>
-              <a:rPr sz="2400" spc="-65" dirty="0">
-                <a:latin typeface="Corbel"/>
-                <a:cs typeface="Corbel"/>
-              </a:rPr>
-              <a:t>(</a:t>
-            </a:r>
-            <a:r>
-              <a:rPr sz="2400" spc="-15" dirty="0">
-                <a:latin typeface="Corbel"/>
-                <a:cs typeface="Corbel"/>
-              </a:rPr>
-              <a:t>es</a:t>
-            </a:r>
-            <a:r>
-              <a:rPr sz="2400" spc="15" dirty="0">
-                <a:latin typeface="Corbel"/>
-                <a:cs typeface="Corbel"/>
-              </a:rPr>
-              <a:t> </a:t>
-            </a:r>
-            <a:r>
-              <a:rPr sz="2400" spc="-15" dirty="0">
-                <a:latin typeface="Corbel"/>
-                <a:cs typeface="Corbel"/>
-              </a:rPr>
-              <a:t>d</a:t>
-            </a:r>
-            <a:r>
-              <a:rPr sz="2400" spc="-20" dirty="0">
-                <a:latin typeface="Corbel"/>
-                <a:cs typeface="Corbel"/>
-              </a:rPr>
-              <a:t>i</a:t>
-            </a:r>
-            <a:r>
-              <a:rPr sz="2400" spc="-10" dirty="0">
-                <a:latin typeface="Corbel"/>
-                <a:cs typeface="Corbel"/>
-              </a:rPr>
-              <a:t>fe</a:t>
-            </a:r>
-            <a:r>
-              <a:rPr sz="2400" spc="-15" dirty="0">
-                <a:latin typeface="Corbel"/>
-                <a:cs typeface="Corbel"/>
-              </a:rPr>
-              <a:t>rente</a:t>
-            </a:r>
-            <a:r>
-              <a:rPr sz="2400" spc="5" dirty="0">
-                <a:latin typeface="Corbel"/>
-                <a:cs typeface="Corbel"/>
-              </a:rPr>
-              <a:t> </a:t>
-            </a:r>
-            <a:r>
-              <a:rPr sz="2400" spc="-15" dirty="0">
-                <a:latin typeface="Corbel"/>
-                <a:cs typeface="Corbel"/>
-              </a:rPr>
-              <a:t>a </a:t>
-            </a:r>
-            <a:r>
-              <a:rPr sz="2400" b="1" spc="10" dirty="0">
-                <a:latin typeface="Corbel"/>
-                <a:cs typeface="Corbel"/>
-              </a:rPr>
-              <a:t>.</a:t>
-            </a:r>
-            <a:r>
-              <a:rPr sz="2400" b="1" spc="-5" dirty="0">
-                <a:latin typeface="Corbel"/>
-                <a:cs typeface="Corbel"/>
-              </a:rPr>
-              <a:t>-</a:t>
-            </a:r>
-            <a:r>
-              <a:rPr sz="2400" spc="-10" dirty="0">
-                <a:latin typeface="Corbel"/>
-                <a:cs typeface="Corbel"/>
-              </a:rPr>
-              <a:t>)</a:t>
-            </a:r>
-            <a:endParaRPr sz="2400" dirty="0">
-              <a:latin typeface="Corbel"/>
-              <a:cs typeface="Corbel"/>
-            </a:endParaRPr>
-          </a:p>
-          <a:p>
-            <a:pPr marL="469900">
-              <a:lnSpc>
-                <a:spcPct val="100000"/>
-              </a:lnSpc>
-            </a:pPr>
-            <a:r>
-              <a:rPr lang="es-ES" sz="2400" b="1" dirty="0">
-                <a:latin typeface="Corbel"/>
-                <a:cs typeface="Corbel"/>
-              </a:rPr>
-              <a:t>"</a:t>
-            </a:r>
-            <a:r>
-              <a:rPr sz="2400" b="1" spc="-20" dirty="0">
-                <a:latin typeface="Corbel"/>
-                <a:cs typeface="Corbel"/>
-              </a:rPr>
-              <a:t>p</a:t>
-            </a:r>
-            <a:r>
-              <a:rPr sz="2400" b="1" spc="-10" dirty="0">
-                <a:latin typeface="Corbel"/>
-                <a:cs typeface="Corbel"/>
-              </a:rPr>
-              <a:t>r</a:t>
-            </a:r>
-            <a:r>
-              <a:rPr lang="es-MX" sz="2400" b="1" spc="-5" dirty="0">
-                <a:latin typeface="Corbel"/>
-                <a:cs typeface="Corbel"/>
-              </a:rPr>
-              <a:t>--</a:t>
-            </a:r>
-            <a:r>
-              <a:rPr lang="es-ES" sz="2400" b="1" dirty="0">
-                <a:latin typeface="Corbel"/>
-                <a:cs typeface="Corbel"/>
-              </a:rPr>
-              <a:t>"</a:t>
-            </a:r>
-            <a:r>
-              <a:rPr sz="2400" b="1" spc="-25" dirty="0">
-                <a:latin typeface="Corbel"/>
-                <a:cs typeface="Corbel"/>
-              </a:rPr>
-              <a:t> </a:t>
-            </a:r>
-            <a:r>
-              <a:rPr sz="2400" dirty="0">
-                <a:latin typeface="Corbel"/>
-                <a:cs typeface="Corbel"/>
-              </a:rPr>
-              <a:t>pun</a:t>
-            </a:r>
-            <a:r>
-              <a:rPr sz="2400" spc="-10" dirty="0">
-                <a:latin typeface="Corbel"/>
-                <a:cs typeface="Corbel"/>
-              </a:rPr>
-              <a:t>t</a:t>
-            </a:r>
-            <a:r>
-              <a:rPr sz="2400" dirty="0">
-                <a:latin typeface="Corbel"/>
-                <a:cs typeface="Corbel"/>
-              </a:rPr>
-              <a:t>os </a:t>
-            </a:r>
-            <a:r>
-              <a:rPr sz="2400" spc="5" dirty="0">
-                <a:latin typeface="Corbel"/>
-                <a:cs typeface="Corbel"/>
-              </a:rPr>
-              <a:t>c</a:t>
-            </a:r>
-            <a:r>
-              <a:rPr sz="2400" dirty="0">
-                <a:latin typeface="Corbel"/>
-                <a:cs typeface="Corbel"/>
-              </a:rPr>
-              <a:t>omo</a:t>
-            </a:r>
-            <a:r>
-              <a:rPr sz="2400" spc="-35" dirty="0">
-                <a:latin typeface="Corbel"/>
-                <a:cs typeface="Corbel"/>
-              </a:rPr>
-              <a:t> </a:t>
-            </a:r>
-            <a:r>
-              <a:rPr sz="2400" dirty="0">
-                <a:latin typeface="Corbel"/>
-                <a:cs typeface="Corbel"/>
-              </a:rPr>
-              <a:t>pen</a:t>
-            </a:r>
-            <a:r>
-              <a:rPr sz="2400" spc="-10" dirty="0">
-                <a:latin typeface="Corbel"/>
-                <a:cs typeface="Corbel"/>
-              </a:rPr>
-              <a:t>t</a:t>
-            </a:r>
-            <a:r>
-              <a:rPr sz="2400" dirty="0">
-                <a:latin typeface="Corbel"/>
-                <a:cs typeface="Corbel"/>
-              </a:rPr>
-              <a:t>agramas de</a:t>
-            </a:r>
-          </a:p>
-          <a:p>
-            <a:pPr marL="469900">
-              <a:lnSpc>
-                <a:spcPct val="100000"/>
-              </a:lnSpc>
-            </a:pPr>
-            <a:r>
-              <a:rPr sz="2400" spc="-5" dirty="0">
-                <a:latin typeface="Corbel"/>
-                <a:cs typeface="Corbel"/>
-              </a:rPr>
-              <a:t>c</a:t>
-            </a:r>
-            <a:r>
-              <a:rPr sz="2400" dirty="0">
-                <a:latin typeface="Corbel"/>
-                <a:cs typeface="Corbel"/>
-              </a:rPr>
-              <a:t>olor</a:t>
-            </a:r>
-            <a:r>
-              <a:rPr sz="2400" spc="-30" dirty="0">
-                <a:latin typeface="Corbel"/>
-                <a:cs typeface="Corbel"/>
-              </a:rPr>
-              <a:t> </a:t>
-            </a:r>
-            <a:r>
-              <a:rPr sz="2400" dirty="0">
-                <a:latin typeface="Corbel"/>
-                <a:cs typeface="Corbel"/>
-              </a:rPr>
-              <a:t>rojo</a:t>
-            </a:r>
-            <a:r>
-              <a:rPr sz="2400" spc="-25" dirty="0">
-                <a:latin typeface="Corbel"/>
-                <a:cs typeface="Corbel"/>
-              </a:rPr>
-              <a:t> </a:t>
-            </a:r>
-            <a:r>
-              <a:rPr sz="2400" spc="-5" dirty="0">
-                <a:latin typeface="Corbel"/>
-                <a:cs typeface="Corbel"/>
-              </a:rPr>
-              <a:t>qu</a:t>
-            </a:r>
-            <a:r>
-              <a:rPr sz="2400" dirty="0">
-                <a:latin typeface="Corbel"/>
-                <a:cs typeface="Corbel"/>
-              </a:rPr>
-              <a:t>e</a:t>
-            </a:r>
-            <a:r>
-              <a:rPr sz="2400" spc="-5" dirty="0">
-                <a:latin typeface="Corbel"/>
-                <a:cs typeface="Corbel"/>
-              </a:rPr>
-              <a:t> so</a:t>
-            </a:r>
-            <a:r>
-              <a:rPr sz="2400" dirty="0">
-                <a:latin typeface="Corbel"/>
-                <a:cs typeface="Corbel"/>
-              </a:rPr>
-              <a:t>n</a:t>
-            </a:r>
-            <a:r>
-              <a:rPr sz="2400" spc="-15" dirty="0">
-                <a:latin typeface="Corbel"/>
-                <a:cs typeface="Corbel"/>
-              </a:rPr>
-              <a:t> </a:t>
-            </a:r>
-            <a:r>
-              <a:rPr sz="2400" dirty="0">
-                <a:latin typeface="Corbel"/>
-                <a:cs typeface="Corbel"/>
-              </a:rPr>
-              <a:t>un</a:t>
-            </a:r>
-            <a:r>
-              <a:rPr sz="2400" spc="-10" dirty="0">
-                <a:latin typeface="Corbel"/>
-                <a:cs typeface="Corbel"/>
-              </a:rPr>
-              <a:t>i</a:t>
-            </a:r>
-            <a:r>
-              <a:rPr sz="2400" dirty="0">
-                <a:latin typeface="Corbel"/>
-                <a:cs typeface="Corbel"/>
-              </a:rPr>
-              <a:t>dos</a:t>
-            </a:r>
-            <a:r>
-              <a:rPr sz="2400" spc="-5" dirty="0">
-                <a:latin typeface="Corbel"/>
-                <a:cs typeface="Corbel"/>
-              </a:rPr>
-              <a:t> </a:t>
-            </a:r>
-            <a:r>
-              <a:rPr sz="2400" dirty="0">
-                <a:latin typeface="Corbel"/>
-                <a:cs typeface="Corbel"/>
-              </a:rPr>
-              <a:t>por</a:t>
-            </a:r>
-            <a:r>
-              <a:rPr sz="2400" spc="-30" dirty="0">
-                <a:latin typeface="Corbel"/>
-                <a:cs typeface="Corbel"/>
-              </a:rPr>
-              <a:t> </a:t>
-            </a:r>
-            <a:r>
-              <a:rPr sz="2400" dirty="0">
-                <a:latin typeface="Corbel"/>
-                <a:cs typeface="Corbel"/>
-              </a:rPr>
-              <a:t>rayas</a:t>
-            </a:r>
           </a:p>
         </p:txBody>
       </p:sp>
@@ -7406,117 +6506,100 @@
       <p:sp>
         <p:nvSpPr>
           <p:cNvPr id="2" name="object 2"/>
-          <p:cNvSpPr txBox="1"/>
+          <p:cNvSpPr/>
           <p:nvPr/>
         </p:nvSpPr>
         <p:spPr>
           <a:xfrm>
-            <a:off x="4138294" y="457200"/>
-            <a:ext cx="5712205" cy="492443"/>
+            <a:off x="457200" y="0"/>
+            <a:ext cx="1122045" cy="5329555"/>
           </a:xfrm>
-          <a:prstGeom prst="rect">
+          <a:custGeom>
             <a:avLst/>
-          </a:prstGeom>
+            <a:gdLst/>
+            <a:ahLst/>
+            <a:cxnLst/>
+            <a:rect l="l" t="t" r="r" b="b"/>
+            <a:pathLst>
+              <a:path w="1122045" h="5329555">
+                <a:moveTo>
+                  <a:pt x="1121664" y="0"/>
+                </a:moveTo>
+                <a:lnTo>
+                  <a:pt x="867791" y="0"/>
+                </a:lnTo>
+                <a:lnTo>
+                  <a:pt x="0" y="5286502"/>
+                </a:lnTo>
+                <a:lnTo>
+                  <a:pt x="247497" y="5329428"/>
+                </a:lnTo>
+                <a:lnTo>
+                  <a:pt x="1121664" y="0"/>
+                </a:lnTo>
+                <a:close/>
+              </a:path>
+            </a:pathLst>
+          </a:custGeom>
+          <a:solidFill>
+            <a:srgbClr val="2FACEB"/>
+          </a:solidFill>
         </p:spPr>
         <p:txBody>
-          <a:bodyPr vert="horz" wrap="square" lIns="0" tIns="0" rIns="0" bIns="0" rtlCol="0">
-            <a:spAutoFit/>
-          </a:bodyPr>
+          <a:bodyPr wrap="square" lIns="0" tIns="0" rIns="0" bIns="0" rtlCol="0"/>
           <a:lstStyle/>
           <a:p>
-            <a:pPr marL="12700">
-              <a:lnSpc>
-                <a:spcPct val="100000"/>
-              </a:lnSpc>
-            </a:pPr>
-            <a:r>
-              <a:rPr sz="3200" b="1" spc="175" dirty="0" err="1">
-                <a:latin typeface="Arial"/>
-                <a:cs typeface="Arial"/>
-              </a:rPr>
-              <a:t>Gr</a:t>
-            </a:r>
-            <a:r>
-              <a:rPr sz="3200" b="1" spc="165" dirty="0" err="1">
-                <a:latin typeface="Arial"/>
-                <a:cs typeface="Arial"/>
-              </a:rPr>
-              <a:t>á</a:t>
-            </a:r>
-            <a:r>
-              <a:rPr sz="3200" b="1" spc="170" dirty="0" err="1">
-                <a:latin typeface="Arial"/>
-                <a:cs typeface="Arial"/>
-              </a:rPr>
-              <a:t>fi</a:t>
-            </a:r>
-            <a:r>
-              <a:rPr sz="3200" b="1" spc="180" dirty="0" err="1">
-                <a:latin typeface="Arial"/>
-                <a:cs typeface="Arial"/>
-              </a:rPr>
-              <a:t>c</a:t>
-            </a:r>
-            <a:r>
-              <a:rPr sz="3200" b="1" dirty="0" err="1">
-                <a:latin typeface="Arial"/>
-                <a:cs typeface="Arial"/>
-              </a:rPr>
-              <a:t>a</a:t>
-            </a:r>
-            <a:r>
-              <a:rPr sz="3200" b="1" dirty="0">
-                <a:latin typeface="Arial"/>
-                <a:cs typeface="Arial"/>
-              </a:rPr>
-              <a:t> </a:t>
-            </a:r>
-            <a:r>
-              <a:rPr sz="3200" b="1" spc="160" dirty="0">
-                <a:latin typeface="Arial"/>
-                <a:cs typeface="Arial"/>
-              </a:rPr>
-              <a:t>s</a:t>
-            </a:r>
-            <a:r>
-              <a:rPr sz="3200" b="1" spc="150" dirty="0">
-                <a:latin typeface="Arial"/>
-                <a:cs typeface="Arial"/>
-              </a:rPr>
-              <a:t>i</a:t>
-            </a:r>
-            <a:r>
-              <a:rPr sz="3200" b="1" spc="145" dirty="0">
-                <a:latin typeface="Arial"/>
-                <a:cs typeface="Arial"/>
-              </a:rPr>
-              <a:t>mp</a:t>
-            </a:r>
-            <a:r>
-              <a:rPr sz="3200" b="1" spc="150" dirty="0">
-                <a:latin typeface="Arial"/>
-                <a:cs typeface="Arial"/>
-              </a:rPr>
-              <a:t>l</a:t>
-            </a:r>
-            <a:r>
-              <a:rPr sz="3200" b="1" dirty="0">
-                <a:latin typeface="Arial"/>
-                <a:cs typeface="Arial"/>
-              </a:rPr>
-              <a:t>e</a:t>
-            </a:r>
-            <a:r>
-              <a:rPr lang="es-ES" sz="3200" b="1" dirty="0">
-                <a:latin typeface="Arial"/>
-                <a:cs typeface="Arial"/>
-              </a:rPr>
-              <a:t> de barras</a:t>
-            </a:r>
-            <a:endParaRPr sz="3200" b="1" dirty="0">
-              <a:latin typeface="Arial"/>
-              <a:cs typeface="Arial"/>
-            </a:endParaRPr>
+            <a:endParaRPr/>
+          </a:p>
+        </p:txBody>
+      </p:sp>
+      <p:sp>
+        <p:nvSpPr>
+          <p:cNvPr id="3" name="object 3"/>
+          <p:cNvSpPr/>
+          <p:nvPr/>
+        </p:nvSpPr>
+        <p:spPr>
+          <a:xfrm>
+            <a:off x="150876" y="0"/>
+            <a:ext cx="1117600" cy="5278120"/>
+          </a:xfrm>
+          <a:custGeom>
+            <a:avLst/>
+            <a:gdLst/>
+            <a:ahLst/>
+            <a:cxnLst/>
+            <a:rect l="l" t="t" r="r" b="b"/>
+            <a:pathLst>
+              <a:path w="1117600" h="5278120">
+                <a:moveTo>
+                  <a:pt x="1117092" y="0"/>
+                </a:moveTo>
+                <a:lnTo>
+                  <a:pt x="864793" y="0"/>
+                </a:lnTo>
+                <a:lnTo>
+                  <a:pt x="0" y="5239512"/>
+                </a:lnTo>
+                <a:lnTo>
+                  <a:pt x="249123" y="5277612"/>
+                </a:lnTo>
+                <a:lnTo>
+                  <a:pt x="1117092" y="0"/>
+                </a:lnTo>
+                <a:close/>
+              </a:path>
+            </a:pathLst>
+          </a:custGeom>
+          <a:solidFill>
+            <a:srgbClr val="585858"/>
+          </a:solidFill>
+        </p:spPr>
+        <p:txBody>
+          <a:bodyPr wrap="square" lIns="0" tIns="0" rIns="0" bIns="0" rtlCol="0"/>
+          <a:lstStyle/>
+          <a:p>
+            <a:endParaRPr/>
           </a:p>
         </p:txBody>
       </p:sp>
@@ -7528,8 +6611,217 @@
         </p:nvSpPr>
         <p:spPr>
           <a:xfrm>
-            <a:off x="2278379" y="1284732"/>
-            <a:ext cx="9432036" cy="4716780"/>
+            <a:off x="150876" y="5239511"/>
+            <a:ext cx="1228725" cy="1618615"/>
+          </a:xfrm>
+          <a:custGeom>
+            <a:avLst/>
+            <a:gdLst/>
+            <a:ahLst/>
+            <a:cxnLst/>
+            <a:rect l="l" t="t" r="r" b="b"/>
+            <a:pathLst>
+              <a:path w="1228725" h="1618615">
+                <a:moveTo>
+                  <a:pt x="0" y="0"/>
+                </a:moveTo>
+                <a:lnTo>
+                  <a:pt x="1174369" y="1618487"/>
+                </a:lnTo>
+                <a:lnTo>
+                  <a:pt x="1228344" y="1618487"/>
+                </a:lnTo>
+                <a:lnTo>
+                  <a:pt x="0" y="0"/>
+                </a:lnTo>
+                <a:close/>
+              </a:path>
+            </a:pathLst>
+          </a:custGeom>
+          <a:solidFill>
+            <a:srgbClr val="252525"/>
+          </a:solidFill>
+        </p:spPr>
+        <p:txBody>
+          <a:bodyPr wrap="square" lIns="0" tIns="0" rIns="0" bIns="0" rtlCol="0"/>
+          <a:lstStyle/>
+          <a:p>
+            <a:endParaRPr/>
+          </a:p>
+        </p:txBody>
+      </p:sp>
+      <p:sp>
+        <p:nvSpPr>
+          <p:cNvPr id="5" name="object 5"/>
+          <p:cNvSpPr/>
+          <p:nvPr/>
+        </p:nvSpPr>
+        <p:spPr>
+          <a:xfrm>
+            <a:off x="457200" y="5291328"/>
+            <a:ext cx="1495425" cy="1567180"/>
+          </a:xfrm>
+          <a:custGeom>
+            <a:avLst/>
+            <a:gdLst/>
+            <a:ahLst/>
+            <a:cxnLst/>
+            <a:rect l="l" t="t" r="r" b="b"/>
+            <a:pathLst>
+              <a:path w="1495425" h="1567179">
+                <a:moveTo>
+                  <a:pt x="0" y="0"/>
+                </a:moveTo>
+                <a:lnTo>
+                  <a:pt x="1442720" y="1566672"/>
+                </a:lnTo>
+                <a:lnTo>
+                  <a:pt x="1495044" y="1566672"/>
+                </a:lnTo>
+                <a:lnTo>
+                  <a:pt x="0" y="0"/>
+                </a:lnTo>
+                <a:close/>
+              </a:path>
+            </a:pathLst>
+          </a:custGeom>
+          <a:solidFill>
+            <a:srgbClr val="0C5A82"/>
+          </a:solidFill>
+        </p:spPr>
+        <p:txBody>
+          <a:bodyPr wrap="square" lIns="0" tIns="0" rIns="0" bIns="0" rtlCol="0"/>
+          <a:lstStyle/>
+          <a:p>
+            <a:endParaRPr/>
+          </a:p>
+        </p:txBody>
+      </p:sp>
+      <p:sp>
+        <p:nvSpPr>
+          <p:cNvPr id="6" name="object 6"/>
+          <p:cNvSpPr/>
+          <p:nvPr/>
+        </p:nvSpPr>
+        <p:spPr>
+          <a:xfrm>
+            <a:off x="457200" y="5286755"/>
+            <a:ext cx="2129155" cy="1571625"/>
+          </a:xfrm>
+          <a:custGeom>
+            <a:avLst/>
+            <a:gdLst/>
+            <a:ahLst/>
+            <a:cxnLst/>
+            <a:rect l="l" t="t" r="r" b="b"/>
+            <a:pathLst>
+              <a:path w="2129155" h="1571625">
+                <a:moveTo>
+                  <a:pt x="0" y="0"/>
+                </a:moveTo>
+                <a:lnTo>
+                  <a:pt x="0" y="4699"/>
+                </a:lnTo>
+                <a:lnTo>
+                  <a:pt x="1494408" y="1571243"/>
+                </a:lnTo>
+                <a:lnTo>
+                  <a:pt x="2129028" y="1571243"/>
+                </a:lnTo>
+                <a:lnTo>
+                  <a:pt x="247484" y="42799"/>
+                </a:lnTo>
+                <a:lnTo>
+                  <a:pt x="0" y="0"/>
+                </a:lnTo>
+                <a:close/>
+              </a:path>
+            </a:pathLst>
+          </a:custGeom>
+          <a:solidFill>
+            <a:srgbClr val="1286C3"/>
+          </a:solidFill>
+        </p:spPr>
+        <p:txBody>
+          <a:bodyPr wrap="square" lIns="0" tIns="0" rIns="0" bIns="0" rtlCol="0"/>
+          <a:lstStyle/>
+          <a:p>
+            <a:endParaRPr/>
+          </a:p>
+        </p:txBody>
+      </p:sp>
+      <p:sp>
+        <p:nvSpPr>
+          <p:cNvPr id="7" name="object 7"/>
+          <p:cNvSpPr/>
+          <p:nvPr/>
+        </p:nvSpPr>
+        <p:spPr>
+          <a:xfrm>
+            <a:off x="150876" y="5239511"/>
+            <a:ext cx="1694814" cy="1618615"/>
+          </a:xfrm>
+          <a:custGeom>
+            <a:avLst/>
+            <a:gdLst/>
+            <a:ahLst/>
+            <a:cxnLst/>
+            <a:rect l="l" t="t" r="r" b="b"/>
+            <a:pathLst>
+              <a:path w="1694814" h="1618615">
+                <a:moveTo>
+                  <a:pt x="0" y="0"/>
+                </a:moveTo>
+                <a:lnTo>
+                  <a:pt x="1228217" y="1618487"/>
+                </a:lnTo>
+                <a:lnTo>
+                  <a:pt x="1694688" y="1618487"/>
+                </a:lnTo>
+                <a:lnTo>
+                  <a:pt x="291972" y="95250"/>
+                </a:lnTo>
+                <a:lnTo>
+                  <a:pt x="244360" y="42799"/>
+                </a:lnTo>
+                <a:lnTo>
+                  <a:pt x="249123" y="42799"/>
+                </a:lnTo>
+                <a:lnTo>
+                  <a:pt x="249123" y="38100"/>
+                </a:lnTo>
+                <a:lnTo>
+                  <a:pt x="244360" y="38100"/>
+                </a:lnTo>
+                <a:lnTo>
+                  <a:pt x="0" y="0"/>
+                </a:lnTo>
+                <a:close/>
+              </a:path>
+            </a:pathLst>
+          </a:custGeom>
+          <a:solidFill>
+            <a:srgbClr val="404040"/>
+          </a:solidFill>
+        </p:spPr>
+        <p:txBody>
+          <a:bodyPr wrap="square" lIns="0" tIns="0" rIns="0" bIns="0" rtlCol="0"/>
+          <a:lstStyle/>
+          <a:p>
+            <a:endParaRPr/>
+          </a:p>
+        </p:txBody>
+      </p:sp>
+      <p:sp>
+        <p:nvSpPr>
+          <p:cNvPr id="8" name="object 8"/>
+          <p:cNvSpPr/>
+          <p:nvPr/>
+        </p:nvSpPr>
+        <p:spPr>
+          <a:xfrm>
+            <a:off x="0" y="6146290"/>
+            <a:ext cx="12188951" cy="711707"/>
           </a:xfrm>
           <a:prstGeom prst="rect">
             <a:avLst/>
@@ -7549,36 +6841,719 @@
           </a:p>
         </p:txBody>
       </p:sp>
-      <p:pic>
-        <p:nvPicPr>
-          <p:cNvPr id="6" name="Imagen 5">
-            <a:extLst>
-              <a:ext uri="{FF2B5EF4-FFF2-40B4-BE49-F238E27FC236}">
-                <a16:creationId xmlns:a16="http://schemas.microsoft.com/office/drawing/2014/main" id="{9781A8A6-CC25-40A7-9010-A7B922B649A8}"/>
-              </a:ext>
-            </a:extLst>
-          </p:cNvPr>
-          <p:cNvPicPr>
-            <a:picLocks noChangeAspect="1"/>
-          </p:cNvPicPr>
+      <p:sp>
+        <p:nvSpPr>
+          <p:cNvPr id="9" name="object 9"/>
+          <p:cNvSpPr/>
           <p:nvPr/>
-        </p:nvPicPr>
-        <p:blipFill>
-          <a:blip r:embed="rId4"/>
-          <a:stretch>
-            <a:fillRect/>
-          </a:stretch>
-        </p:blipFill>
+        </p:nvSpPr>
         <p:spPr>
           <a:xfrm>
-            <a:off x="7826665" y="3048000"/>
-            <a:ext cx="4173911" cy="3558946"/>
+            <a:off x="5359908" y="6316978"/>
+            <a:ext cx="1690115" cy="446530"/>
+          </a:xfrm>
+          <a:prstGeom prst="rect">
+            <a:avLst/>
+          </a:prstGeom>
+          <a:blipFill>
+            <a:blip r:embed="rId4" cstate="print"/>
+            <a:stretch>
+              <a:fillRect/>
+            </a:stretch>
+          </a:blipFill>
+        </p:spPr>
+        <p:txBody>
+          <a:bodyPr wrap="square" lIns="0" tIns="0" rIns="0" bIns="0" rtlCol="0"/>
+          <a:lstStyle/>
+          <a:p>
+            <a:endParaRPr/>
+          </a:p>
+        </p:txBody>
+      </p:sp>
+      <p:sp>
+        <p:nvSpPr>
+          <p:cNvPr id="10" name="object 10"/>
+          <p:cNvSpPr/>
+          <p:nvPr/>
+        </p:nvSpPr>
+        <p:spPr>
+          <a:xfrm>
+            <a:off x="1548383" y="292608"/>
+            <a:ext cx="4725924" cy="3294888"/>
+          </a:xfrm>
+          <a:prstGeom prst="rect">
+            <a:avLst/>
+          </a:prstGeom>
+          <a:blipFill>
+            <a:blip r:embed="rId5" cstate="print"/>
+            <a:stretch>
+              <a:fillRect/>
+            </a:stretch>
+          </a:blipFill>
+        </p:spPr>
+        <p:txBody>
+          <a:bodyPr wrap="square" lIns="0" tIns="0" rIns="0" bIns="0" rtlCol="0"/>
+          <a:lstStyle/>
+          <a:p>
+            <a:endParaRPr/>
+          </a:p>
+        </p:txBody>
+      </p:sp>
+      <p:sp>
+        <p:nvSpPr>
+          <p:cNvPr id="11" name="object 11"/>
+          <p:cNvSpPr/>
+          <p:nvPr/>
+        </p:nvSpPr>
+        <p:spPr>
+          <a:xfrm>
+            <a:off x="7098792" y="3429000"/>
+            <a:ext cx="4722876" cy="2554224"/>
+          </a:xfrm>
+          <a:prstGeom prst="rect">
+            <a:avLst/>
+          </a:prstGeom>
+          <a:blipFill>
+            <a:blip r:embed="rId6" cstate="print"/>
+            <a:stretch>
+              <a:fillRect/>
+            </a:stretch>
+          </a:blipFill>
+        </p:spPr>
+        <p:txBody>
+          <a:bodyPr wrap="square" lIns="0" tIns="0" rIns="0" bIns="0" rtlCol="0"/>
+          <a:lstStyle/>
+          <a:p>
+            <a:endParaRPr/>
+          </a:p>
+        </p:txBody>
+      </p:sp>
+      <p:sp>
+        <p:nvSpPr>
+          <p:cNvPr id="12" name="object 12"/>
+          <p:cNvSpPr/>
+          <p:nvPr/>
+        </p:nvSpPr>
+        <p:spPr>
+          <a:xfrm>
+            <a:off x="2314317" y="4350259"/>
+            <a:ext cx="5012435" cy="509015"/>
+          </a:xfrm>
+          <a:prstGeom prst="rect">
+            <a:avLst/>
+          </a:prstGeom>
+          <a:blipFill>
+            <a:blip r:embed="rId7" cstate="print"/>
+            <a:stretch>
+              <a:fillRect/>
+            </a:stretch>
+          </a:blipFill>
+        </p:spPr>
+        <p:txBody>
+          <a:bodyPr wrap="square" lIns="0" tIns="0" rIns="0" bIns="0" rtlCol="0"/>
+          <a:lstStyle/>
+          <a:p>
+            <a:endParaRPr/>
+          </a:p>
+        </p:txBody>
+      </p:sp>
+      <p:sp>
+        <p:nvSpPr>
+          <p:cNvPr id="13" name="object 13"/>
+          <p:cNvSpPr txBox="1"/>
+          <p:nvPr/>
+        </p:nvSpPr>
+        <p:spPr>
+          <a:xfrm>
+            <a:off x="6822185" y="621694"/>
+            <a:ext cx="5260975" cy="2215991"/>
           </a:xfrm>
           <a:prstGeom prst="rect">
             <a:avLst/>
           </a:prstGeom>
         </p:spPr>
-      </p:pic>
+        <p:txBody>
+          <a:bodyPr vert="horz" wrap="square" lIns="0" tIns="0" rIns="0" bIns="0" rtlCol="0">
+            <a:spAutoFit/>
+          </a:bodyPr>
+          <a:lstStyle/>
+          <a:p>
+            <a:pPr marL="12700">
+              <a:lnSpc>
+                <a:spcPct val="100000"/>
+              </a:lnSpc>
+            </a:pPr>
+            <a:r>
+              <a:rPr sz="2400" b="1" spc="-20" dirty="0">
+                <a:latin typeface="Corbel"/>
+                <a:cs typeface="Corbel"/>
+              </a:rPr>
+              <a:t>Ejemplos</a:t>
+            </a:r>
+            <a:endParaRPr sz="2400" b="1" dirty="0">
+              <a:latin typeface="Corbel"/>
+              <a:cs typeface="Corbel"/>
+            </a:endParaRPr>
+          </a:p>
+          <a:p>
+            <a:pPr marL="469900">
+              <a:lnSpc>
+                <a:spcPct val="100000"/>
+              </a:lnSpc>
+            </a:pPr>
+            <a:r>
+              <a:rPr lang="es-ES" sz="2400" b="1" dirty="0">
+                <a:latin typeface="Corbel"/>
+                <a:cs typeface="Corbel"/>
+              </a:rPr>
+              <a:t>"</a:t>
+            </a:r>
+            <a:r>
+              <a:rPr sz="2400" b="1" dirty="0">
+                <a:latin typeface="Corbel"/>
+                <a:cs typeface="Corbel"/>
+              </a:rPr>
+              <a:t>b.</a:t>
+            </a:r>
+            <a:r>
+              <a:rPr lang="es-ES" sz="2400" b="1" dirty="0">
+                <a:latin typeface="Corbel"/>
+                <a:cs typeface="Corbel"/>
+              </a:rPr>
+              <a:t>"</a:t>
+            </a:r>
+            <a:r>
+              <a:rPr sz="2400" spc="-10" dirty="0">
+                <a:latin typeface="Corbel"/>
+                <a:cs typeface="Corbel"/>
+              </a:rPr>
+              <a:t> </a:t>
+            </a:r>
+            <a:r>
+              <a:rPr sz="2400" dirty="0">
+                <a:latin typeface="Corbel"/>
+                <a:cs typeface="Corbel"/>
+              </a:rPr>
+              <a:t>pun</a:t>
+            </a:r>
+            <a:r>
+              <a:rPr sz="2400" spc="-15" dirty="0">
+                <a:latin typeface="Corbel"/>
+                <a:cs typeface="Corbel"/>
+              </a:rPr>
+              <a:t>t</a:t>
+            </a:r>
+            <a:r>
+              <a:rPr sz="2400" dirty="0">
+                <a:latin typeface="Corbel"/>
+                <a:cs typeface="Corbel"/>
+              </a:rPr>
+              <a:t>os de color</a:t>
+            </a:r>
+            <a:r>
+              <a:rPr sz="2400" spc="-25" dirty="0">
+                <a:latin typeface="Corbel"/>
+                <a:cs typeface="Corbel"/>
+              </a:rPr>
+              <a:t> </a:t>
+            </a:r>
+            <a:r>
+              <a:rPr sz="2400" dirty="0">
+                <a:latin typeface="Corbel"/>
+                <a:cs typeface="Corbel"/>
+              </a:rPr>
+              <a:t>azul</a:t>
+            </a:r>
+          </a:p>
+          <a:p>
+            <a:pPr marL="469900">
+              <a:lnSpc>
+                <a:spcPct val="100000"/>
+              </a:lnSpc>
+            </a:pPr>
+            <a:r>
+              <a:rPr lang="es-ES" sz="2400" b="1" dirty="0">
+                <a:latin typeface="Corbel"/>
+                <a:cs typeface="Corbel"/>
+              </a:rPr>
+              <a:t>"</a:t>
+            </a:r>
+            <a:r>
+              <a:rPr sz="2400" b="1" spc="-5" dirty="0">
+                <a:latin typeface="Corbel"/>
+                <a:cs typeface="Corbel"/>
+              </a:rPr>
+              <a:t>-</a:t>
+            </a:r>
+            <a:r>
+              <a:rPr sz="2400" b="1" dirty="0">
+                <a:latin typeface="Corbel"/>
+                <a:cs typeface="Corbel"/>
+              </a:rPr>
+              <a:t>.m</a:t>
+            </a:r>
+            <a:r>
+              <a:rPr lang="es-ES" sz="2400" b="1" dirty="0">
+                <a:latin typeface="Corbel"/>
+                <a:cs typeface="Corbel"/>
+              </a:rPr>
+              <a:t>"</a:t>
+            </a:r>
+            <a:r>
+              <a:rPr sz="2400" b="1" spc="-20" dirty="0">
+                <a:latin typeface="Corbel"/>
+                <a:cs typeface="Corbel"/>
+              </a:rPr>
+              <a:t> </a:t>
+            </a:r>
+            <a:r>
+              <a:rPr sz="2400" dirty="0">
+                <a:latin typeface="Corbel"/>
+                <a:cs typeface="Corbel"/>
+              </a:rPr>
+              <a:t>raya</a:t>
+            </a:r>
+            <a:r>
+              <a:rPr sz="2400" spc="-15" dirty="0">
+                <a:latin typeface="Corbel"/>
+                <a:cs typeface="Corbel"/>
+              </a:rPr>
+              <a:t> </a:t>
+            </a:r>
+            <a:r>
+              <a:rPr sz="2400" dirty="0">
+                <a:latin typeface="Corbel"/>
+                <a:cs typeface="Corbel"/>
+              </a:rPr>
+              <a:t>y pun</a:t>
+            </a:r>
+            <a:r>
+              <a:rPr sz="2400" spc="-10" dirty="0">
+                <a:latin typeface="Corbel"/>
+                <a:cs typeface="Corbel"/>
+              </a:rPr>
+              <a:t>t</a:t>
+            </a:r>
+            <a:r>
+              <a:rPr sz="2400" dirty="0">
+                <a:latin typeface="Corbel"/>
+                <a:cs typeface="Corbel"/>
+              </a:rPr>
+              <a:t>os a</a:t>
+            </a:r>
+            <a:r>
+              <a:rPr sz="2400" spc="-10" dirty="0">
+                <a:latin typeface="Corbel"/>
+                <a:cs typeface="Corbel"/>
+              </a:rPr>
+              <a:t>l</a:t>
+            </a:r>
+            <a:r>
+              <a:rPr sz="2400" dirty="0">
+                <a:latin typeface="Corbel"/>
+                <a:cs typeface="Corbel"/>
+              </a:rPr>
+              <a:t>terna</a:t>
+            </a:r>
+            <a:r>
+              <a:rPr sz="2400" spc="-10" dirty="0">
+                <a:latin typeface="Corbel"/>
+                <a:cs typeface="Corbel"/>
+              </a:rPr>
+              <a:t>d</a:t>
+            </a:r>
+            <a:r>
+              <a:rPr sz="2400" dirty="0">
+                <a:latin typeface="Corbel"/>
+                <a:cs typeface="Corbel"/>
+              </a:rPr>
+              <a:t>os</a:t>
+            </a:r>
+            <a:r>
+              <a:rPr sz="2400" spc="15" dirty="0">
+                <a:latin typeface="Corbel"/>
+                <a:cs typeface="Corbel"/>
+              </a:rPr>
+              <a:t> </a:t>
+            </a:r>
+            <a:r>
+              <a:rPr sz="2400" dirty="0" err="1">
+                <a:latin typeface="Corbel"/>
+                <a:cs typeface="Corbel"/>
+              </a:rPr>
+              <a:t>en</a:t>
+            </a:r>
+            <a:r>
+              <a:rPr sz="2400" dirty="0">
+                <a:latin typeface="Corbel"/>
+                <a:cs typeface="Corbel"/>
+              </a:rPr>
+              <a:t> c</a:t>
+            </a:r>
+            <a:r>
+              <a:rPr sz="2400" spc="5" dirty="0">
+                <a:latin typeface="Corbel"/>
+                <a:cs typeface="Corbel"/>
+              </a:rPr>
+              <a:t>o</a:t>
+            </a:r>
+            <a:r>
+              <a:rPr sz="2400" dirty="0">
+                <a:latin typeface="Corbel"/>
+                <a:cs typeface="Corbel"/>
+              </a:rPr>
+              <a:t>lor</a:t>
+            </a:r>
+            <a:r>
+              <a:rPr lang="es-ES" sz="2400" dirty="0">
+                <a:latin typeface="Corbel"/>
+                <a:cs typeface="Corbel"/>
+              </a:rPr>
+              <a:t> </a:t>
+            </a:r>
+            <a:r>
+              <a:rPr sz="2400" spc="-15" dirty="0">
+                <a:latin typeface="Corbel"/>
+                <a:cs typeface="Corbel"/>
+              </a:rPr>
+              <a:t>magenta</a:t>
+            </a:r>
+            <a:r>
+              <a:rPr sz="2400" spc="-10" dirty="0">
+                <a:latin typeface="Corbel"/>
+                <a:cs typeface="Corbel"/>
+              </a:rPr>
+              <a:t> </a:t>
+            </a:r>
+            <a:r>
+              <a:rPr sz="2400" spc="-65" dirty="0">
+                <a:latin typeface="Corbel"/>
+                <a:cs typeface="Corbel"/>
+              </a:rPr>
+              <a:t>(</a:t>
+            </a:r>
+            <a:r>
+              <a:rPr sz="2400" spc="-15" dirty="0">
+                <a:latin typeface="Corbel"/>
+                <a:cs typeface="Corbel"/>
+              </a:rPr>
+              <a:t>es</a:t>
+            </a:r>
+            <a:r>
+              <a:rPr sz="2400" spc="15" dirty="0">
+                <a:latin typeface="Corbel"/>
+                <a:cs typeface="Corbel"/>
+              </a:rPr>
+              <a:t> </a:t>
+            </a:r>
+            <a:r>
+              <a:rPr sz="2400" spc="-15" dirty="0">
+                <a:latin typeface="Corbel"/>
+                <a:cs typeface="Corbel"/>
+              </a:rPr>
+              <a:t>d</a:t>
+            </a:r>
+            <a:r>
+              <a:rPr sz="2400" spc="-20" dirty="0">
+                <a:latin typeface="Corbel"/>
+                <a:cs typeface="Corbel"/>
+              </a:rPr>
+              <a:t>i</a:t>
+            </a:r>
+            <a:r>
+              <a:rPr sz="2400" spc="-10" dirty="0">
+                <a:latin typeface="Corbel"/>
+                <a:cs typeface="Corbel"/>
+              </a:rPr>
+              <a:t>fe</a:t>
+            </a:r>
+            <a:r>
+              <a:rPr sz="2400" spc="-15" dirty="0">
+                <a:latin typeface="Corbel"/>
+                <a:cs typeface="Corbel"/>
+              </a:rPr>
+              <a:t>rente</a:t>
+            </a:r>
+            <a:r>
+              <a:rPr sz="2400" spc="5" dirty="0">
+                <a:latin typeface="Corbel"/>
+                <a:cs typeface="Corbel"/>
+              </a:rPr>
+              <a:t> </a:t>
+            </a:r>
+            <a:r>
+              <a:rPr sz="2400" spc="-15" dirty="0">
+                <a:latin typeface="Corbel"/>
+                <a:cs typeface="Corbel"/>
+              </a:rPr>
+              <a:t>a </a:t>
+            </a:r>
+            <a:r>
+              <a:rPr sz="2400" b="1" spc="10" dirty="0">
+                <a:latin typeface="Corbel"/>
+                <a:cs typeface="Corbel"/>
+              </a:rPr>
+              <a:t>.</a:t>
+            </a:r>
+            <a:r>
+              <a:rPr sz="2400" b="1" spc="-5" dirty="0">
+                <a:latin typeface="Corbel"/>
+                <a:cs typeface="Corbel"/>
+              </a:rPr>
+              <a:t>-</a:t>
+            </a:r>
+            <a:r>
+              <a:rPr sz="2400" spc="-10" dirty="0">
+                <a:latin typeface="Corbel"/>
+                <a:cs typeface="Corbel"/>
+              </a:rPr>
+              <a:t>)</a:t>
+            </a:r>
+            <a:endParaRPr sz="2400" dirty="0">
+              <a:latin typeface="Corbel"/>
+              <a:cs typeface="Corbel"/>
+            </a:endParaRPr>
+          </a:p>
+          <a:p>
+            <a:pPr marL="469900">
+              <a:lnSpc>
+                <a:spcPct val="100000"/>
+              </a:lnSpc>
+            </a:pPr>
+            <a:r>
+              <a:rPr lang="es-ES" sz="2400" b="1" dirty="0">
+                <a:latin typeface="Corbel"/>
+                <a:cs typeface="Corbel"/>
+              </a:rPr>
+              <a:t>"</a:t>
+            </a:r>
+            <a:r>
+              <a:rPr sz="2400" b="1" spc="-20" dirty="0">
+                <a:latin typeface="Corbel"/>
+                <a:cs typeface="Corbel"/>
+              </a:rPr>
+              <a:t>p</a:t>
+            </a:r>
+            <a:r>
+              <a:rPr sz="2400" b="1" spc="-10" dirty="0">
+                <a:latin typeface="Corbel"/>
+                <a:cs typeface="Corbel"/>
+              </a:rPr>
+              <a:t>r</a:t>
+            </a:r>
+            <a:r>
+              <a:rPr lang="es-MX" sz="2400" b="1" spc="-5" dirty="0">
+                <a:latin typeface="Corbel"/>
+                <a:cs typeface="Corbel"/>
+              </a:rPr>
+              <a:t>--</a:t>
+            </a:r>
+            <a:r>
+              <a:rPr lang="es-ES" sz="2400" b="1" dirty="0">
+                <a:latin typeface="Corbel"/>
+                <a:cs typeface="Corbel"/>
+              </a:rPr>
+              <a:t>"</a:t>
+            </a:r>
+            <a:r>
+              <a:rPr sz="2400" b="1" spc="-25" dirty="0">
+                <a:latin typeface="Corbel"/>
+                <a:cs typeface="Corbel"/>
+              </a:rPr>
+              <a:t> </a:t>
+            </a:r>
+            <a:r>
+              <a:rPr sz="2400" dirty="0">
+                <a:latin typeface="Corbel"/>
+                <a:cs typeface="Corbel"/>
+              </a:rPr>
+              <a:t>pun</a:t>
+            </a:r>
+            <a:r>
+              <a:rPr sz="2400" spc="-10" dirty="0">
+                <a:latin typeface="Corbel"/>
+                <a:cs typeface="Corbel"/>
+              </a:rPr>
+              <a:t>t</a:t>
+            </a:r>
+            <a:r>
+              <a:rPr sz="2400" dirty="0">
+                <a:latin typeface="Corbel"/>
+                <a:cs typeface="Corbel"/>
+              </a:rPr>
+              <a:t>os </a:t>
+            </a:r>
+            <a:r>
+              <a:rPr sz="2400" spc="5" dirty="0">
+                <a:latin typeface="Corbel"/>
+                <a:cs typeface="Corbel"/>
+              </a:rPr>
+              <a:t>c</a:t>
+            </a:r>
+            <a:r>
+              <a:rPr sz="2400" dirty="0">
+                <a:latin typeface="Corbel"/>
+                <a:cs typeface="Corbel"/>
+              </a:rPr>
+              <a:t>omo</a:t>
+            </a:r>
+            <a:r>
+              <a:rPr sz="2400" spc="-35" dirty="0">
+                <a:latin typeface="Corbel"/>
+                <a:cs typeface="Corbel"/>
+              </a:rPr>
+              <a:t> </a:t>
+            </a:r>
+            <a:r>
+              <a:rPr sz="2400" dirty="0">
+                <a:latin typeface="Corbel"/>
+                <a:cs typeface="Corbel"/>
+              </a:rPr>
+              <a:t>pen</a:t>
+            </a:r>
+            <a:r>
+              <a:rPr sz="2400" spc="-10" dirty="0">
+                <a:latin typeface="Corbel"/>
+                <a:cs typeface="Corbel"/>
+              </a:rPr>
+              <a:t>t</a:t>
+            </a:r>
+            <a:r>
+              <a:rPr sz="2400" dirty="0">
+                <a:latin typeface="Corbel"/>
+                <a:cs typeface="Corbel"/>
+              </a:rPr>
+              <a:t>agramas de</a:t>
+            </a:r>
+          </a:p>
+          <a:p>
+            <a:pPr marL="469900">
+              <a:lnSpc>
+                <a:spcPct val="100000"/>
+              </a:lnSpc>
+            </a:pPr>
+            <a:r>
+              <a:rPr sz="2400" spc="-5" dirty="0">
+                <a:latin typeface="Corbel"/>
+                <a:cs typeface="Corbel"/>
+              </a:rPr>
+              <a:t>c</a:t>
+            </a:r>
+            <a:r>
+              <a:rPr sz="2400" dirty="0">
+                <a:latin typeface="Corbel"/>
+                <a:cs typeface="Corbel"/>
+              </a:rPr>
+              <a:t>olor</a:t>
+            </a:r>
+            <a:r>
+              <a:rPr sz="2400" spc="-30" dirty="0">
+                <a:latin typeface="Corbel"/>
+                <a:cs typeface="Corbel"/>
+              </a:rPr>
+              <a:t> </a:t>
+            </a:r>
+            <a:r>
+              <a:rPr sz="2400" dirty="0">
+                <a:latin typeface="Corbel"/>
+                <a:cs typeface="Corbel"/>
+              </a:rPr>
+              <a:t>rojo</a:t>
+            </a:r>
+            <a:r>
+              <a:rPr sz="2400" spc="-25" dirty="0">
+                <a:latin typeface="Corbel"/>
+                <a:cs typeface="Corbel"/>
+              </a:rPr>
+              <a:t> </a:t>
+            </a:r>
+            <a:r>
+              <a:rPr sz="2400" spc="-5" dirty="0">
+                <a:latin typeface="Corbel"/>
+                <a:cs typeface="Corbel"/>
+              </a:rPr>
+              <a:t>qu</a:t>
+            </a:r>
+            <a:r>
+              <a:rPr sz="2400" dirty="0">
+                <a:latin typeface="Corbel"/>
+                <a:cs typeface="Corbel"/>
+              </a:rPr>
+              <a:t>e</a:t>
+            </a:r>
+            <a:r>
+              <a:rPr sz="2400" spc="-5" dirty="0">
+                <a:latin typeface="Corbel"/>
+                <a:cs typeface="Corbel"/>
+              </a:rPr>
+              <a:t> so</a:t>
+            </a:r>
+            <a:r>
+              <a:rPr sz="2400" dirty="0">
+                <a:latin typeface="Corbel"/>
+                <a:cs typeface="Corbel"/>
+              </a:rPr>
+              <a:t>n</a:t>
+            </a:r>
+            <a:r>
+              <a:rPr sz="2400" spc="-15" dirty="0">
+                <a:latin typeface="Corbel"/>
+                <a:cs typeface="Corbel"/>
+              </a:rPr>
+              <a:t> </a:t>
+            </a:r>
+            <a:r>
+              <a:rPr sz="2400" dirty="0">
+                <a:latin typeface="Corbel"/>
+                <a:cs typeface="Corbel"/>
+              </a:rPr>
+              <a:t>un</a:t>
+            </a:r>
+            <a:r>
+              <a:rPr sz="2400" spc="-10" dirty="0">
+                <a:latin typeface="Corbel"/>
+                <a:cs typeface="Corbel"/>
+              </a:rPr>
+              <a:t>i</a:t>
+            </a:r>
+            <a:r>
+              <a:rPr sz="2400" dirty="0">
+                <a:latin typeface="Corbel"/>
+                <a:cs typeface="Corbel"/>
+              </a:rPr>
+              <a:t>dos</a:t>
+            </a:r>
+            <a:r>
+              <a:rPr sz="2400" spc="-5" dirty="0">
+                <a:latin typeface="Corbel"/>
+                <a:cs typeface="Corbel"/>
+              </a:rPr>
+              <a:t> </a:t>
+            </a:r>
+            <a:r>
+              <a:rPr sz="2400" dirty="0">
+                <a:latin typeface="Corbel"/>
+                <a:cs typeface="Corbel"/>
+              </a:rPr>
+              <a:t>por</a:t>
+            </a:r>
+            <a:r>
+              <a:rPr sz="2400" spc="-30" dirty="0">
+                <a:latin typeface="Corbel"/>
+                <a:cs typeface="Corbel"/>
+              </a:rPr>
+              <a:t> </a:t>
+            </a:r>
+            <a:r>
+              <a:rPr sz="2400" dirty="0">
+                <a:latin typeface="Corbel"/>
+                <a:cs typeface="Corbel"/>
+              </a:rPr>
+              <a:t>rayas</a:t>
+            </a:r>
+          </a:p>
+        </p:txBody>
+      </p:sp>
     </p:spTree>
   </p:cSld>
   <p:clrMapOvr>
@@ -16762,6 +16737,212 @@
       <p:sp>
         <p:nvSpPr>
           <p:cNvPr id="2" name="object 2"/>
+          <p:cNvSpPr txBox="1"/>
+          <p:nvPr/>
+        </p:nvSpPr>
+        <p:spPr>
+          <a:xfrm>
+            <a:off x="4138294" y="457200"/>
+            <a:ext cx="5712205" cy="492443"/>
+          </a:xfrm>
+          <a:prstGeom prst="rect">
+            <a:avLst/>
+          </a:prstGeom>
+        </p:spPr>
+        <p:txBody>
+          <a:bodyPr vert="horz" wrap="square" lIns="0" tIns="0" rIns="0" bIns="0" rtlCol="0">
+            <a:spAutoFit/>
+          </a:bodyPr>
+          <a:lstStyle/>
+          <a:p>
+            <a:pPr marL="12700">
+              <a:lnSpc>
+                <a:spcPct val="100000"/>
+              </a:lnSpc>
+            </a:pPr>
+            <a:r>
+              <a:rPr sz="3200" b="1" spc="175" dirty="0" err="1">
+                <a:latin typeface="Arial"/>
+                <a:cs typeface="Arial"/>
+              </a:rPr>
+              <a:t>Gr</a:t>
+            </a:r>
+            <a:r>
+              <a:rPr sz="3200" b="1" spc="165" dirty="0" err="1">
+                <a:latin typeface="Arial"/>
+                <a:cs typeface="Arial"/>
+              </a:rPr>
+              <a:t>á</a:t>
+            </a:r>
+            <a:r>
+              <a:rPr sz="3200" b="1" spc="170" dirty="0" err="1">
+                <a:latin typeface="Arial"/>
+                <a:cs typeface="Arial"/>
+              </a:rPr>
+              <a:t>fi</a:t>
+            </a:r>
+            <a:r>
+              <a:rPr sz="3200" b="1" spc="180" dirty="0" err="1">
+                <a:latin typeface="Arial"/>
+                <a:cs typeface="Arial"/>
+              </a:rPr>
+              <a:t>c</a:t>
+            </a:r>
+            <a:r>
+              <a:rPr sz="3200" b="1" dirty="0" err="1">
+                <a:latin typeface="Arial"/>
+                <a:cs typeface="Arial"/>
+              </a:rPr>
+              <a:t>a</a:t>
+            </a:r>
+            <a:r>
+              <a:rPr sz="3200" b="1" dirty="0">
+                <a:latin typeface="Arial"/>
+                <a:cs typeface="Arial"/>
+              </a:rPr>
+              <a:t> </a:t>
+            </a:r>
+            <a:r>
+              <a:rPr sz="3200" b="1" spc="160" dirty="0">
+                <a:latin typeface="Arial"/>
+                <a:cs typeface="Arial"/>
+              </a:rPr>
+              <a:t>s</a:t>
+            </a:r>
+            <a:r>
+              <a:rPr sz="3200" b="1" spc="150" dirty="0">
+                <a:latin typeface="Arial"/>
+                <a:cs typeface="Arial"/>
+              </a:rPr>
+              <a:t>i</a:t>
+            </a:r>
+            <a:r>
+              <a:rPr sz="3200" b="1" spc="145" dirty="0">
+                <a:latin typeface="Arial"/>
+                <a:cs typeface="Arial"/>
+              </a:rPr>
+              <a:t>mp</a:t>
+            </a:r>
+            <a:r>
+              <a:rPr sz="3200" b="1" spc="150" dirty="0">
+                <a:latin typeface="Arial"/>
+                <a:cs typeface="Arial"/>
+              </a:rPr>
+              <a:t>l</a:t>
+            </a:r>
+            <a:r>
+              <a:rPr sz="3200" b="1" dirty="0">
+                <a:latin typeface="Arial"/>
+                <a:cs typeface="Arial"/>
+              </a:rPr>
+              <a:t>e</a:t>
+            </a:r>
+            <a:r>
+              <a:rPr lang="es-ES" sz="3200" b="1" dirty="0">
+                <a:latin typeface="Arial"/>
+                <a:cs typeface="Arial"/>
+              </a:rPr>
+              <a:t> de barras</a:t>
+            </a:r>
+            <a:endParaRPr sz="3200" b="1" dirty="0">
+              <a:latin typeface="Arial"/>
+              <a:cs typeface="Arial"/>
+            </a:endParaRPr>
+          </a:p>
+        </p:txBody>
+      </p:sp>
+      <p:sp>
+        <p:nvSpPr>
+          <p:cNvPr id="4" name="object 4"/>
+          <p:cNvSpPr/>
+          <p:nvPr/>
+        </p:nvSpPr>
+        <p:spPr>
+          <a:xfrm>
+            <a:off x="2278379" y="1284732"/>
+            <a:ext cx="9432036" cy="4716780"/>
+          </a:xfrm>
+          <a:prstGeom prst="rect">
+            <a:avLst/>
+          </a:prstGeom>
+          <a:blipFill>
+            <a:blip r:embed="rId3" cstate="print"/>
+            <a:stretch>
+              <a:fillRect/>
+            </a:stretch>
+          </a:blipFill>
+        </p:spPr>
+        <p:txBody>
+          <a:bodyPr wrap="square" lIns="0" tIns="0" rIns="0" bIns="0" rtlCol="0"/>
+          <a:lstStyle/>
+          <a:p>
+            <a:endParaRPr/>
+          </a:p>
+        </p:txBody>
+      </p:sp>
+      <p:pic>
+        <p:nvPicPr>
+          <p:cNvPr id="6" name="Imagen 5">
+            <a:extLst>
+              <a:ext uri="{FF2B5EF4-FFF2-40B4-BE49-F238E27FC236}">
+                <a16:creationId xmlns:a16="http://schemas.microsoft.com/office/drawing/2014/main" id="{9781A8A6-CC25-40A7-9010-A7B922B649A8}"/>
+              </a:ext>
+            </a:extLst>
+          </p:cNvPr>
+          <p:cNvPicPr>
+            <a:picLocks noChangeAspect="1"/>
+          </p:cNvPicPr>
+          <p:nvPr/>
+        </p:nvPicPr>
+        <p:blipFill>
+          <a:blip r:embed="rId4"/>
+          <a:stretch>
+            <a:fillRect/>
+          </a:stretch>
+        </p:blipFill>
+        <p:spPr>
+          <a:xfrm>
+            <a:off x="7826665" y="3048000"/>
+            <a:ext cx="4173911" cy="3558946"/>
+          </a:xfrm>
+          <a:prstGeom prst="rect">
+            <a:avLst/>
+          </a:prstGeom>
+        </p:spPr>
+      </p:pic>
+    </p:spTree>
+    <p:extLst>
+      <p:ext uri="{BB962C8B-B14F-4D97-AF65-F5344CB8AC3E}">
+        <p14:creationId xmlns:p14="http://schemas.microsoft.com/office/powerpoint/2010/main" val="2699005820"/>
+      </p:ext>
+    </p:extLst>
+  </p:cSld>
+  <p:clrMapOvr>
+    <a:masterClrMapping/>
+  </p:clrMapOvr>
+</p:sld>
+</file>
+
+<file path=ppt/slides/slide8.xml><?xml version="1.0" encoding="utf-8"?>
+<p:sld xmlns:a="http://schemas.openxmlformats.org/drawingml/2006/main" xmlns:r="http://schemas.openxmlformats.org/officeDocument/2006/relationships" xmlns:p="http://schemas.openxmlformats.org/presentationml/2006/main">
+  <p:cSld>
+    <p:spTree>
+      <p:nvGrpSpPr>
+        <p:cNvPr id="1" name=""/>
+        <p:cNvGrpSpPr/>
+        <p:nvPr/>
+      </p:nvGrpSpPr>
+      <p:grpSpPr>
+        <a:xfrm>
+          <a:off x="0" y="0"/>
+          <a:ext cx="0" cy="0"/>
+          <a:chOff x="0" y="0"/>
+          <a:chExt cx="0" cy="0"/>
+        </a:xfrm>
+      </p:grpSpPr>
+      <p:sp>
+        <p:nvSpPr>
+          <p:cNvPr id="2" name="object 2"/>
           <p:cNvSpPr/>
           <p:nvPr/>
         </p:nvSpPr>
@@ -16819,114 +17000,14 @@
       </p:sp>
       <p:sp>
         <p:nvSpPr>
-          <p:cNvPr id="4" name="object 4"/>
-          <p:cNvSpPr/>
-          <p:nvPr/>
-        </p:nvSpPr>
-        <p:spPr>
-          <a:xfrm>
-            <a:off x="679704" y="121920"/>
-            <a:ext cx="10434955" cy="1367155"/>
-          </a:xfrm>
-          <a:custGeom>
-            <a:avLst/>
-            <a:gdLst/>
-            <a:ahLst/>
-            <a:cxnLst/>
-            <a:rect l="l" t="t" r="r" b="b"/>
-            <a:pathLst>
-              <a:path w="10434955" h="1367155">
-                <a:moveTo>
-                  <a:pt x="0" y="1367027"/>
-                </a:moveTo>
-                <a:lnTo>
-                  <a:pt x="10434828" y="1367027"/>
-                </a:lnTo>
-                <a:lnTo>
-                  <a:pt x="10434828" y="0"/>
-                </a:lnTo>
-                <a:lnTo>
-                  <a:pt x="0" y="0"/>
-                </a:lnTo>
-                <a:lnTo>
-                  <a:pt x="0" y="1367027"/>
-                </a:lnTo>
-                <a:close/>
-              </a:path>
-            </a:pathLst>
-          </a:custGeom>
-          <a:solidFill>
-            <a:srgbClr val="EDC48A"/>
-          </a:solidFill>
-        </p:spPr>
-        <p:txBody>
-          <a:bodyPr wrap="square" lIns="0" tIns="0" rIns="0" bIns="0" rtlCol="0"/>
-          <a:lstStyle/>
-          <a:p>
-            <a:endParaRPr/>
-          </a:p>
-        </p:txBody>
-      </p:sp>
-      <p:sp>
-        <p:nvSpPr>
-          <p:cNvPr id="5" name="object 5"/>
-          <p:cNvSpPr/>
-          <p:nvPr/>
-        </p:nvSpPr>
-        <p:spPr>
-          <a:xfrm>
-            <a:off x="10582656" y="609600"/>
-            <a:ext cx="1603375" cy="1369060"/>
-          </a:xfrm>
-          <a:custGeom>
-            <a:avLst/>
-            <a:gdLst/>
-            <a:ahLst/>
-            <a:cxnLst/>
-            <a:rect l="l" t="t" r="r" b="b"/>
-            <a:pathLst>
-              <a:path w="1603375" h="1369060">
-                <a:moveTo>
-                  <a:pt x="0" y="1368552"/>
-                </a:moveTo>
-                <a:lnTo>
-                  <a:pt x="1603248" y="1368552"/>
-                </a:lnTo>
-                <a:lnTo>
-                  <a:pt x="1603248" y="0"/>
-                </a:lnTo>
-                <a:lnTo>
-                  <a:pt x="0" y="0"/>
-                </a:lnTo>
-                <a:lnTo>
-                  <a:pt x="0" y="1368552"/>
-                </a:lnTo>
-                <a:close/>
-              </a:path>
-            </a:pathLst>
-          </a:custGeom>
-          <a:solidFill>
-            <a:srgbClr val="751A42"/>
-          </a:solidFill>
-        </p:spPr>
-        <p:txBody>
-          <a:bodyPr wrap="square" lIns="0" tIns="0" rIns="0" bIns="0" rtlCol="0"/>
-          <a:lstStyle/>
-          <a:p>
-            <a:endParaRPr/>
-          </a:p>
-        </p:txBody>
-      </p:sp>
-      <p:sp>
-        <p:nvSpPr>
           <p:cNvPr id="6" name="object 6"/>
           <p:cNvSpPr txBox="1"/>
           <p:nvPr/>
         </p:nvSpPr>
         <p:spPr>
           <a:xfrm>
-            <a:off x="4773548" y="620645"/>
-            <a:ext cx="3340735" cy="635635"/>
+            <a:off x="1828800" y="620645"/>
+            <a:ext cx="9829800" cy="738664"/>
           </a:xfrm>
           <a:prstGeom prst="rect">
             <a:avLst/>
@@ -16958,27 +17039,34 @@
               <a:t>r</a:t>
             </a:r>
             <a:r>
-              <a:rPr sz="4800" spc="-5" dirty="0">
+              <a:rPr lang="es-ES" sz="4800" spc="-125" dirty="0">
                 <a:latin typeface="Arial Rounded MT Bold"/>
                 <a:cs typeface="Arial Rounded MT Bold"/>
               </a:rPr>
-              <a:t>a</a:t>
-            </a:r>
-            <a:r>
-              <a:rPr sz="4800" spc="55" dirty="0">
+              <a:t>á</a:t>
+            </a:r>
+            <a:r>
+              <a:rPr sz="4800" spc="55" dirty="0" err="1">
                 <a:latin typeface="Arial Rounded MT Bold"/>
                 <a:cs typeface="Arial Rounded MT Bold"/>
               </a:rPr>
               <a:t>f</a:t>
             </a:r>
             <a:r>
-              <a:rPr sz="4800" dirty="0">
+              <a:rPr sz="4800" dirty="0" err="1">
                 <a:latin typeface="Arial Rounded MT Bold"/>
                 <a:cs typeface="Arial Rounded MT Bold"/>
               </a:rPr>
-              <a:t>icando</a:t>
-            </a:r>
-            <a:endParaRPr sz="4800">
+              <a:t>ica</a:t>
+            </a:r>
+            <a:r>
+              <a:rPr lang="es-ES" sz="4800" dirty="0">
+                <a:latin typeface="Arial Rounded MT Bold"/>
+                <a:cs typeface="Arial Rounded MT Bold"/>
+              </a:rPr>
+              <a:t>  de barras con colores</a:t>
+            </a:r>
+            <a:endParaRPr sz="4800" dirty="0">
               <a:latin typeface="Arial Rounded MT Bold"/>
               <a:cs typeface="Arial Rounded MT Bold"/>
             </a:endParaRPr>
@@ -17235,7 +17323,7 @@
 </p:sld>
 </file>
 
-<file path=ppt/slides/slide8.xml><?xml version="1.0" encoding="utf-8"?>
+<file path=ppt/slides/slide9.xml><?xml version="1.0" encoding="utf-8"?>
 <p:sld xmlns:a="http://schemas.openxmlformats.org/drawingml/2006/main" xmlns:r="http://schemas.openxmlformats.org/officeDocument/2006/relationships" xmlns:p="http://schemas.openxmlformats.org/presentationml/2006/main" showMasterSp="0">
   <p:cSld>
     <p:spTree>
@@ -20065,217 +20153,6 @@
               <a:latin typeface="Courier New" panose="02070309020205020404" pitchFamily="49" charset="0"/>
               <a:cs typeface="Courier New" panose="02070309020205020404" pitchFamily="49" charset="0"/>
             </a:endParaRPr>
-          </a:p>
-        </p:txBody>
-      </p:sp>
-    </p:spTree>
-  </p:cSld>
-  <p:clrMapOvr>
-    <a:masterClrMapping/>
-  </p:clrMapOvr>
-</p:sld>
-</file>
-
-<file path=ppt/slides/slide9.xml><?xml version="1.0" encoding="utf-8"?>
-<p:sld xmlns:a="http://schemas.openxmlformats.org/drawingml/2006/main" xmlns:r="http://schemas.openxmlformats.org/officeDocument/2006/relationships" xmlns:p="http://schemas.openxmlformats.org/presentationml/2006/main">
-  <p:cSld>
-    <p:spTree>
-      <p:nvGrpSpPr>
-        <p:cNvPr id="1" name=""/>
-        <p:cNvGrpSpPr/>
-        <p:nvPr/>
-      </p:nvGrpSpPr>
-      <p:grpSpPr>
-        <a:xfrm>
-          <a:off x="0" y="0"/>
-          <a:ext cx="0" cy="0"/>
-          <a:chOff x="0" y="0"/>
-          <a:chExt cx="0" cy="0"/>
-        </a:xfrm>
-      </p:grpSpPr>
-      <p:sp>
-        <p:nvSpPr>
-          <p:cNvPr id="2" name="object 2"/>
-          <p:cNvSpPr txBox="1"/>
-          <p:nvPr/>
-        </p:nvSpPr>
-        <p:spPr>
-          <a:xfrm>
-            <a:off x="5305805" y="760952"/>
-            <a:ext cx="2856865" cy="432434"/>
-          </a:xfrm>
-          <a:prstGeom prst="rect">
-            <a:avLst/>
-          </a:prstGeom>
-        </p:spPr>
-        <p:txBody>
-          <a:bodyPr vert="horz" wrap="square" lIns="0" tIns="0" rIns="0" bIns="0" rtlCol="0">
-            <a:spAutoFit/>
-          </a:bodyPr>
-          <a:lstStyle/>
-          <a:p>
-            <a:pPr marL="12700">
-              <a:lnSpc>
-                <a:spcPct val="100000"/>
-              </a:lnSpc>
-            </a:pPr>
-            <a:r>
-              <a:rPr sz="3200" spc="175" dirty="0">
-                <a:latin typeface="Arial"/>
-                <a:cs typeface="Arial"/>
-              </a:rPr>
-              <a:t>Gr</a:t>
-            </a:r>
-            <a:r>
-              <a:rPr sz="3200" spc="165" dirty="0">
-                <a:latin typeface="Arial"/>
-                <a:cs typeface="Arial"/>
-              </a:rPr>
-              <a:t>á</a:t>
-            </a:r>
-            <a:r>
-              <a:rPr sz="3200" spc="170" dirty="0">
-                <a:latin typeface="Arial"/>
-                <a:cs typeface="Arial"/>
-              </a:rPr>
-              <a:t>fi</a:t>
-            </a:r>
-            <a:r>
-              <a:rPr sz="3200" spc="180" dirty="0">
-                <a:latin typeface="Arial"/>
-                <a:cs typeface="Arial"/>
-              </a:rPr>
-              <a:t>c</a:t>
-            </a:r>
-            <a:r>
-              <a:rPr sz="3200" dirty="0">
-                <a:latin typeface="Arial"/>
-                <a:cs typeface="Arial"/>
-              </a:rPr>
-              <a:t>a </a:t>
-            </a:r>
-            <a:r>
-              <a:rPr sz="3200" spc="160" dirty="0">
-                <a:latin typeface="Arial"/>
-                <a:cs typeface="Arial"/>
-              </a:rPr>
-              <a:t>s</a:t>
-            </a:r>
-            <a:r>
-              <a:rPr sz="3200" spc="150" dirty="0">
-                <a:latin typeface="Arial"/>
-                <a:cs typeface="Arial"/>
-              </a:rPr>
-              <a:t>i</a:t>
-            </a:r>
-            <a:r>
-              <a:rPr sz="3200" spc="145" dirty="0">
-                <a:latin typeface="Arial"/>
-                <a:cs typeface="Arial"/>
-              </a:rPr>
-              <a:t>mp</a:t>
-            </a:r>
-            <a:r>
-              <a:rPr sz="3200" spc="150" dirty="0">
-                <a:latin typeface="Arial"/>
-                <a:cs typeface="Arial"/>
-              </a:rPr>
-              <a:t>l</a:t>
-            </a:r>
-            <a:r>
-              <a:rPr sz="3200" dirty="0">
-                <a:latin typeface="Arial"/>
-                <a:cs typeface="Arial"/>
-              </a:rPr>
-              <a:t>e</a:t>
-            </a:r>
-            <a:endParaRPr sz="3200">
-              <a:latin typeface="Arial"/>
-              <a:cs typeface="Arial"/>
-            </a:endParaRPr>
-          </a:p>
-        </p:txBody>
-      </p:sp>
-      <p:sp>
-        <p:nvSpPr>
-          <p:cNvPr id="3" name="object 3"/>
-          <p:cNvSpPr txBox="1"/>
-          <p:nvPr/>
-        </p:nvSpPr>
-        <p:spPr>
-          <a:xfrm>
-            <a:off x="8427211" y="760952"/>
-            <a:ext cx="1255395" cy="432434"/>
-          </a:xfrm>
-          <a:prstGeom prst="rect">
-            <a:avLst/>
-          </a:prstGeom>
-        </p:spPr>
-        <p:txBody>
-          <a:bodyPr vert="horz" wrap="square" lIns="0" tIns="0" rIns="0" bIns="0" rtlCol="0">
-            <a:spAutoFit/>
-          </a:bodyPr>
-          <a:lstStyle/>
-          <a:p>
-            <a:pPr marL="12700">
-              <a:lnSpc>
-                <a:spcPct val="100000"/>
-              </a:lnSpc>
-            </a:pPr>
-            <a:r>
-              <a:rPr sz="3200" spc="100" dirty="0">
-                <a:latin typeface="Arial"/>
-                <a:cs typeface="Arial"/>
-              </a:rPr>
-              <a:t>L</a:t>
-            </a:r>
-            <a:r>
-              <a:rPr sz="3200" spc="105" dirty="0">
-                <a:latin typeface="Arial"/>
-                <a:cs typeface="Arial"/>
-              </a:rPr>
-              <a:t>ÍNE</a:t>
-            </a:r>
-            <a:r>
-              <a:rPr sz="3200" dirty="0">
-                <a:latin typeface="Arial"/>
-                <a:cs typeface="Arial"/>
-              </a:rPr>
-              <a:t>A</a:t>
-            </a:r>
-            <a:endParaRPr sz="3200">
-              <a:latin typeface="Arial"/>
-              <a:cs typeface="Arial"/>
-            </a:endParaRPr>
-          </a:p>
-        </p:txBody>
-      </p:sp>
-      <p:sp>
-        <p:nvSpPr>
-          <p:cNvPr id="4" name="object 4"/>
-          <p:cNvSpPr/>
-          <p:nvPr/>
-        </p:nvSpPr>
-        <p:spPr>
-          <a:xfrm>
-            <a:off x="2744723" y="1648967"/>
-            <a:ext cx="7591044" cy="4142232"/>
-          </a:xfrm>
-          <a:prstGeom prst="rect">
-            <a:avLst/>
-          </a:prstGeom>
-          <a:blipFill>
-            <a:blip r:embed="rId3" cstate="print"/>
-            <a:stretch>
-              <a:fillRect/>
-            </a:stretch>
-          </a:blipFill>
-        </p:spPr>
-        <p:txBody>
-          <a:bodyPr wrap="square" lIns="0" tIns="0" rIns="0" bIns="0" rtlCol="0"/>
-          <a:lstStyle/>
-          <a:p>
-            <a:endParaRPr/>
           </a:p>
         </p:txBody>
       </p:sp>
